--- a/가이드로드 개발계획서.pptx
+++ b/가이드로드 개발계획서.pptx
@@ -4,10 +4,14 @@
   <p:sldMasterIdLst>
     <p:sldMasterId id="2147483648" r:id="rId1"/>
   </p:sldMasterIdLst>
+  <p:notesMasterIdLst>
+    <p:notesMasterId r:id="rId4"/>
+  </p:notesMasterIdLst>
   <p:sldIdLst>
     <p:sldId id="256" r:id="rId2"/>
+    <p:sldId id="257" r:id="rId3"/>
   </p:sldIdLst>
-  <p:sldSz cx="12192000" cy="6858000"/>
+  <p:sldSz cx="9144000" cy="6858000" type="screen4x3"/>
   <p:notesSz cx="6858000" cy="9144000"/>
   <p:defaultTextStyle>
     <a:defPPr>
@@ -104,12 +108,438 @@
       </a:defRPr>
     </a:lvl9pPr>
   </p:defaultTextStyle>
-  <p:extLst>
-    <p:ext uri="{EFAFB233-063F-42B5-8137-9DF3F51BA10A}">
-      <p15:sldGuideLst xmlns:p15="http://schemas.microsoft.com/office/powerpoint/2012/main"/>
-    </p:ext>
-  </p:extLst>
 </p:presentation>
+</file>
+
+<file path=ppt/notesMasters/notesMaster1.xml><?xml version="1.0" encoding="utf-8"?>
+<p:notesMaster xmlns:a="http://schemas.openxmlformats.org/drawingml/2006/main" xmlns:r="http://schemas.openxmlformats.org/officeDocument/2006/relationships" xmlns:p="http://schemas.openxmlformats.org/presentationml/2006/main">
+  <p:cSld>
+    <p:bg>
+      <p:bgRef idx="1001">
+        <a:schemeClr val="bg1"/>
+      </p:bgRef>
+    </p:bg>
+    <p:spTree>
+      <p:nvGrpSpPr>
+        <p:cNvPr id="1" name=""/>
+        <p:cNvGrpSpPr/>
+        <p:nvPr/>
+      </p:nvGrpSpPr>
+      <p:grpSpPr>
+        <a:xfrm>
+          <a:off x="0" y="0"/>
+          <a:ext cx="0" cy="0"/>
+          <a:chOff x="0" y="0"/>
+          <a:chExt cx="0" cy="0"/>
+        </a:xfrm>
+      </p:grpSpPr>
+      <p:sp>
+        <p:nvSpPr>
+          <p:cNvPr id="2" name="머리글 개체 틀 1"/>
+          <p:cNvSpPr>
+            <a:spLocks noGrp="1"/>
+          </p:cNvSpPr>
+          <p:nvPr>
+            <p:ph type="hdr" sz="quarter"/>
+          </p:nvPr>
+        </p:nvSpPr>
+        <p:spPr>
+          <a:xfrm>
+            <a:off x="0" y="0"/>
+            <a:ext cx="2971800" cy="457200"/>
+          </a:xfrm>
+          <a:prstGeom prst="rect">
+            <a:avLst/>
+          </a:prstGeom>
+        </p:spPr>
+        <p:txBody>
+          <a:bodyPr vert="horz" lIns="91440" tIns="45720" rIns="91440" bIns="45720" rtlCol="0"/>
+          <a:lstStyle>
+            <a:lvl1pPr algn="l">
+              <a:defRPr sz="1200"/>
+            </a:lvl1pPr>
+          </a:lstStyle>
+          <a:p>
+            <a:endParaRPr lang="ko-KR" altLang="en-US"/>
+          </a:p>
+        </p:txBody>
+      </p:sp>
+      <p:sp>
+        <p:nvSpPr>
+          <p:cNvPr id="3" name="날짜 개체 틀 2"/>
+          <p:cNvSpPr>
+            <a:spLocks noGrp="1"/>
+          </p:cNvSpPr>
+          <p:nvPr>
+            <p:ph type="dt" idx="1"/>
+          </p:nvPr>
+        </p:nvSpPr>
+        <p:spPr>
+          <a:xfrm>
+            <a:off x="3884613" y="0"/>
+            <a:ext cx="2971800" cy="457200"/>
+          </a:xfrm>
+          <a:prstGeom prst="rect">
+            <a:avLst/>
+          </a:prstGeom>
+        </p:spPr>
+        <p:txBody>
+          <a:bodyPr vert="horz" lIns="91440" tIns="45720" rIns="91440" bIns="45720" rtlCol="0"/>
+          <a:lstStyle>
+            <a:lvl1pPr algn="r">
+              <a:defRPr sz="1200"/>
+            </a:lvl1pPr>
+          </a:lstStyle>
+          <a:p>
+            <a:fld id="{70938A5D-FE01-4289-815A-9F25B1654071}" type="datetimeFigureOut">
+              <a:rPr lang="ko-KR" altLang="en-US" smtClean="0"/>
+              <a:pPr/>
+              <a:t>2016-04-28</a:t>
+            </a:fld>
+            <a:endParaRPr lang="ko-KR" altLang="en-US"/>
+          </a:p>
+        </p:txBody>
+      </p:sp>
+      <p:sp>
+        <p:nvSpPr>
+          <p:cNvPr id="4" name="슬라이드 이미지 개체 틀 3"/>
+          <p:cNvSpPr>
+            <a:spLocks noGrp="1" noRot="1" noChangeAspect="1"/>
+          </p:cNvSpPr>
+          <p:nvPr>
+            <p:ph type="sldImg" idx="2"/>
+          </p:nvPr>
+        </p:nvSpPr>
+        <p:spPr>
+          <a:xfrm>
+            <a:off x="1143000" y="685800"/>
+            <a:ext cx="4572000" cy="3429000"/>
+          </a:xfrm>
+          <a:prstGeom prst="rect">
+            <a:avLst/>
+          </a:prstGeom>
+          <a:noFill/>
+          <a:ln w="12700">
+            <a:solidFill>
+              <a:prstClr val="black"/>
+            </a:solidFill>
+          </a:ln>
+        </p:spPr>
+        <p:txBody>
+          <a:bodyPr vert="horz" lIns="91440" tIns="45720" rIns="91440" bIns="45720" rtlCol="0" anchor="ctr"/>
+          <a:lstStyle/>
+          <a:p>
+            <a:endParaRPr lang="ko-KR" altLang="en-US"/>
+          </a:p>
+        </p:txBody>
+      </p:sp>
+      <p:sp>
+        <p:nvSpPr>
+          <p:cNvPr id="5" name="슬라이드 노트 개체 틀 4"/>
+          <p:cNvSpPr>
+            <a:spLocks noGrp="1"/>
+          </p:cNvSpPr>
+          <p:nvPr>
+            <p:ph type="body" sz="quarter" idx="3"/>
+          </p:nvPr>
+        </p:nvSpPr>
+        <p:spPr>
+          <a:xfrm>
+            <a:off x="685800" y="4343400"/>
+            <a:ext cx="5486400" cy="4114800"/>
+          </a:xfrm>
+          <a:prstGeom prst="rect">
+            <a:avLst/>
+          </a:prstGeom>
+        </p:spPr>
+        <p:txBody>
+          <a:bodyPr vert="horz" lIns="91440" tIns="45720" rIns="91440" bIns="45720" rtlCol="0">
+            <a:normAutofit/>
+          </a:bodyPr>
+          <a:lstStyle/>
+          <a:p>
+            <a:pPr lvl="0"/>
+            <a:r>
+              <a:rPr lang="ko-KR" altLang="en-US" smtClean="0"/>
+              <a:t>마스터 텍스트 스타일을 편집합니다</a:t>
+            </a:r>
+          </a:p>
+          <a:p>
+            <a:pPr lvl="1"/>
+            <a:r>
+              <a:rPr lang="ko-KR" altLang="en-US" smtClean="0"/>
+              <a:t>둘째 수준</a:t>
+            </a:r>
+          </a:p>
+          <a:p>
+            <a:pPr lvl="2"/>
+            <a:r>
+              <a:rPr lang="ko-KR" altLang="en-US" smtClean="0"/>
+              <a:t>셋째 수준</a:t>
+            </a:r>
+          </a:p>
+          <a:p>
+            <a:pPr lvl="3"/>
+            <a:r>
+              <a:rPr lang="ko-KR" altLang="en-US" smtClean="0"/>
+              <a:t>넷째 수준</a:t>
+            </a:r>
+          </a:p>
+          <a:p>
+            <a:pPr lvl="4"/>
+            <a:r>
+              <a:rPr lang="ko-KR" altLang="en-US" smtClean="0"/>
+              <a:t>다섯째 수준</a:t>
+            </a:r>
+            <a:endParaRPr lang="ko-KR" altLang="en-US"/>
+          </a:p>
+        </p:txBody>
+      </p:sp>
+      <p:sp>
+        <p:nvSpPr>
+          <p:cNvPr id="6" name="바닥글 개체 틀 5"/>
+          <p:cNvSpPr>
+            <a:spLocks noGrp="1"/>
+          </p:cNvSpPr>
+          <p:nvPr>
+            <p:ph type="ftr" sz="quarter" idx="4"/>
+          </p:nvPr>
+        </p:nvSpPr>
+        <p:spPr>
+          <a:xfrm>
+            <a:off x="0" y="8685213"/>
+            <a:ext cx="2971800" cy="457200"/>
+          </a:xfrm>
+          <a:prstGeom prst="rect">
+            <a:avLst/>
+          </a:prstGeom>
+        </p:spPr>
+        <p:txBody>
+          <a:bodyPr vert="horz" lIns="91440" tIns="45720" rIns="91440" bIns="45720" rtlCol="0" anchor="b"/>
+          <a:lstStyle>
+            <a:lvl1pPr algn="l">
+              <a:defRPr sz="1200"/>
+            </a:lvl1pPr>
+          </a:lstStyle>
+          <a:p>
+            <a:endParaRPr lang="ko-KR" altLang="en-US"/>
+          </a:p>
+        </p:txBody>
+      </p:sp>
+      <p:sp>
+        <p:nvSpPr>
+          <p:cNvPr id="7" name="슬라이드 번호 개체 틀 6"/>
+          <p:cNvSpPr>
+            <a:spLocks noGrp="1"/>
+          </p:cNvSpPr>
+          <p:nvPr>
+            <p:ph type="sldNum" sz="quarter" idx="5"/>
+          </p:nvPr>
+        </p:nvSpPr>
+        <p:spPr>
+          <a:xfrm>
+            <a:off x="3884613" y="8685213"/>
+            <a:ext cx="2971800" cy="457200"/>
+          </a:xfrm>
+          <a:prstGeom prst="rect">
+            <a:avLst/>
+          </a:prstGeom>
+        </p:spPr>
+        <p:txBody>
+          <a:bodyPr vert="horz" lIns="91440" tIns="45720" rIns="91440" bIns="45720" rtlCol="0" anchor="b"/>
+          <a:lstStyle>
+            <a:lvl1pPr algn="r">
+              <a:defRPr sz="1200"/>
+            </a:lvl1pPr>
+          </a:lstStyle>
+          <a:p>
+            <a:fld id="{96DA19BE-128A-48AE-97AB-06074B48F208}" type="slidenum">
+              <a:rPr lang="ko-KR" altLang="en-US" smtClean="0"/>
+              <a:pPr/>
+              <a:t>‹#›</a:t>
+            </a:fld>
+            <a:endParaRPr lang="ko-KR" altLang="en-US"/>
+          </a:p>
+        </p:txBody>
+      </p:sp>
+    </p:spTree>
+  </p:cSld>
+  <p:clrMap bg1="lt1" tx1="dk1" bg2="lt2" tx2="dk2" accent1="accent1" accent2="accent2" accent3="accent3" accent4="accent4" accent5="accent5" accent6="accent6" hlink="hlink" folHlink="folHlink"/>
+  <p:notesStyle>
+    <a:lvl1pPr marL="0" algn="l" defTabSz="914400" rtl="0" eaLnBrk="1" latinLnBrk="1" hangingPunct="1">
+      <a:defRPr sz="1200" kern="1200">
+        <a:solidFill>
+          <a:schemeClr val="tx1"/>
+        </a:solidFill>
+        <a:latin typeface="+mn-lt"/>
+        <a:ea typeface="+mn-ea"/>
+        <a:cs typeface="+mn-cs"/>
+      </a:defRPr>
+    </a:lvl1pPr>
+    <a:lvl2pPr marL="457200" algn="l" defTabSz="914400" rtl="0" eaLnBrk="1" latinLnBrk="1" hangingPunct="1">
+      <a:defRPr sz="1200" kern="1200">
+        <a:solidFill>
+          <a:schemeClr val="tx1"/>
+        </a:solidFill>
+        <a:latin typeface="+mn-lt"/>
+        <a:ea typeface="+mn-ea"/>
+        <a:cs typeface="+mn-cs"/>
+      </a:defRPr>
+    </a:lvl2pPr>
+    <a:lvl3pPr marL="914400" algn="l" defTabSz="914400" rtl="0" eaLnBrk="1" latinLnBrk="1" hangingPunct="1">
+      <a:defRPr sz="1200" kern="1200">
+        <a:solidFill>
+          <a:schemeClr val="tx1"/>
+        </a:solidFill>
+        <a:latin typeface="+mn-lt"/>
+        <a:ea typeface="+mn-ea"/>
+        <a:cs typeface="+mn-cs"/>
+      </a:defRPr>
+    </a:lvl3pPr>
+    <a:lvl4pPr marL="1371600" algn="l" defTabSz="914400" rtl="0" eaLnBrk="1" latinLnBrk="1" hangingPunct="1">
+      <a:defRPr sz="1200" kern="1200">
+        <a:solidFill>
+          <a:schemeClr val="tx1"/>
+        </a:solidFill>
+        <a:latin typeface="+mn-lt"/>
+        <a:ea typeface="+mn-ea"/>
+        <a:cs typeface="+mn-cs"/>
+      </a:defRPr>
+    </a:lvl4pPr>
+    <a:lvl5pPr marL="1828800" algn="l" defTabSz="914400" rtl="0" eaLnBrk="1" latinLnBrk="1" hangingPunct="1">
+      <a:defRPr sz="1200" kern="1200">
+        <a:solidFill>
+          <a:schemeClr val="tx1"/>
+        </a:solidFill>
+        <a:latin typeface="+mn-lt"/>
+        <a:ea typeface="+mn-ea"/>
+        <a:cs typeface="+mn-cs"/>
+      </a:defRPr>
+    </a:lvl5pPr>
+    <a:lvl6pPr marL="2286000" algn="l" defTabSz="914400" rtl="0" eaLnBrk="1" latinLnBrk="1" hangingPunct="1">
+      <a:defRPr sz="1200" kern="1200">
+        <a:solidFill>
+          <a:schemeClr val="tx1"/>
+        </a:solidFill>
+        <a:latin typeface="+mn-lt"/>
+        <a:ea typeface="+mn-ea"/>
+        <a:cs typeface="+mn-cs"/>
+      </a:defRPr>
+    </a:lvl6pPr>
+    <a:lvl7pPr marL="2743200" algn="l" defTabSz="914400" rtl="0" eaLnBrk="1" latinLnBrk="1" hangingPunct="1">
+      <a:defRPr sz="1200" kern="1200">
+        <a:solidFill>
+          <a:schemeClr val="tx1"/>
+        </a:solidFill>
+        <a:latin typeface="+mn-lt"/>
+        <a:ea typeface="+mn-ea"/>
+        <a:cs typeface="+mn-cs"/>
+      </a:defRPr>
+    </a:lvl7pPr>
+    <a:lvl8pPr marL="3200400" algn="l" defTabSz="914400" rtl="0" eaLnBrk="1" latinLnBrk="1" hangingPunct="1">
+      <a:defRPr sz="1200" kern="1200">
+        <a:solidFill>
+          <a:schemeClr val="tx1"/>
+        </a:solidFill>
+        <a:latin typeface="+mn-lt"/>
+        <a:ea typeface="+mn-ea"/>
+        <a:cs typeface="+mn-cs"/>
+      </a:defRPr>
+    </a:lvl8pPr>
+    <a:lvl9pPr marL="3657600" algn="l" defTabSz="914400" rtl="0" eaLnBrk="1" latinLnBrk="1" hangingPunct="1">
+      <a:defRPr sz="1200" kern="1200">
+        <a:solidFill>
+          <a:schemeClr val="tx1"/>
+        </a:solidFill>
+        <a:latin typeface="+mn-lt"/>
+        <a:ea typeface="+mn-ea"/>
+        <a:cs typeface="+mn-cs"/>
+      </a:defRPr>
+    </a:lvl9pPr>
+  </p:notesStyle>
+</p:notesMaster>
+</file>
+
+<file path=ppt/notesSlides/notesSlide1.xml><?xml version="1.0" encoding="utf-8"?>
+<p:notes xmlns:a="http://schemas.openxmlformats.org/drawingml/2006/main" xmlns:r="http://schemas.openxmlformats.org/officeDocument/2006/relationships" xmlns:p="http://schemas.openxmlformats.org/presentationml/2006/main">
+  <p:cSld>
+    <p:spTree>
+      <p:nvGrpSpPr>
+        <p:cNvPr id="1" name=""/>
+        <p:cNvGrpSpPr/>
+        <p:nvPr/>
+      </p:nvGrpSpPr>
+      <p:grpSpPr>
+        <a:xfrm>
+          <a:off x="0" y="0"/>
+          <a:ext cx="0" cy="0"/>
+          <a:chOff x="0" y="0"/>
+          <a:chExt cx="0" cy="0"/>
+        </a:xfrm>
+      </p:grpSpPr>
+      <p:sp>
+        <p:nvSpPr>
+          <p:cNvPr id="2" name="슬라이드 이미지 개체 틀 1"/>
+          <p:cNvSpPr>
+            <a:spLocks noGrp="1" noRot="1" noChangeAspect="1"/>
+          </p:cNvSpPr>
+          <p:nvPr>
+            <p:ph type="sldImg"/>
+          </p:nvPr>
+        </p:nvSpPr>
+        <p:spPr/>
+      </p:sp>
+      <p:sp>
+        <p:nvSpPr>
+          <p:cNvPr id="3" name="슬라이드 노트 개체 틀 2"/>
+          <p:cNvSpPr>
+            <a:spLocks noGrp="1"/>
+          </p:cNvSpPr>
+          <p:nvPr>
+            <p:ph type="body" idx="1"/>
+          </p:nvPr>
+        </p:nvSpPr>
+        <p:spPr/>
+        <p:txBody>
+          <a:bodyPr>
+            <a:normAutofit/>
+          </a:bodyPr>
+          <a:lstStyle/>
+          <a:p>
+            <a:endParaRPr lang="ko-KR" altLang="en-US" dirty="0"/>
+          </a:p>
+        </p:txBody>
+      </p:sp>
+      <p:sp>
+        <p:nvSpPr>
+          <p:cNvPr id="4" name="슬라이드 번호 개체 틀 3"/>
+          <p:cNvSpPr>
+            <a:spLocks noGrp="1"/>
+          </p:cNvSpPr>
+          <p:nvPr>
+            <p:ph type="sldNum" sz="quarter" idx="10"/>
+          </p:nvPr>
+        </p:nvSpPr>
+        <p:spPr/>
+        <p:txBody>
+          <a:bodyPr/>
+          <a:lstStyle/>
+          <a:p>
+            <a:fld id="{96DA19BE-128A-48AE-97AB-06074B48F208}" type="slidenum">
+              <a:rPr lang="ko-KR" altLang="en-US" smtClean="0"/>
+              <a:pPr/>
+              <a:t>1</a:t>
+            </a:fld>
+            <a:endParaRPr lang="ko-KR" altLang="en-US"/>
+          </a:p>
+        </p:txBody>
+      </p:sp>
+    </p:spTree>
+  </p:cSld>
+  <p:clrMapOvr>
+    <a:masterClrMapping/>
+  </p:clrMapOvr>
+</p:notes>
 </file>
 
 <file path=ppt/slideLayouts/slideLayout1.xml><?xml version="1.0" encoding="utf-8"?>
@@ -141,17 +571,13 @@
         </p:nvSpPr>
         <p:spPr>
           <a:xfrm>
-            <a:off x="1524000" y="1122363"/>
-            <a:ext cx="9144000" cy="2387600"/>
+            <a:off x="685800" y="2130425"/>
+            <a:ext cx="7772400" cy="1470025"/>
           </a:xfrm>
         </p:spPr>
         <p:txBody>
-          <a:bodyPr anchor="b"/>
-          <a:lstStyle>
-            <a:lvl1pPr algn="ctr">
-              <a:defRPr sz="6000"/>
-            </a:lvl1pPr>
-          </a:lstStyle>
+          <a:bodyPr/>
+          <a:lstStyle/>
           <a:p>
             <a:r>
               <a:rPr lang="ko-KR" altLang="en-US" smtClean="0"/>
@@ -173,8 +599,8 @@
         </p:nvSpPr>
         <p:spPr>
           <a:xfrm>
-            <a:off x="1524000" y="3602038"/>
-            <a:ext cx="9144000" cy="1655762"/>
+            <a:off x="1371600" y="3886200"/>
+            <a:ext cx="6400800" cy="1752600"/>
           </a:xfrm>
         </p:spPr>
         <p:txBody>
@@ -182,39 +608,93 @@
           <a:lstStyle>
             <a:lvl1pPr marL="0" indent="0" algn="ctr">
               <a:buNone/>
-              <a:defRPr sz="2400"/>
+              <a:defRPr>
+                <a:solidFill>
+                  <a:schemeClr val="tx1">
+                    <a:tint val="75000"/>
+                  </a:schemeClr>
+                </a:solidFill>
+              </a:defRPr>
             </a:lvl1pPr>
             <a:lvl2pPr marL="457200" indent="0" algn="ctr">
               <a:buNone/>
-              <a:defRPr sz="2000"/>
+              <a:defRPr>
+                <a:solidFill>
+                  <a:schemeClr val="tx1">
+                    <a:tint val="75000"/>
+                  </a:schemeClr>
+                </a:solidFill>
+              </a:defRPr>
             </a:lvl2pPr>
             <a:lvl3pPr marL="914400" indent="0" algn="ctr">
               <a:buNone/>
-              <a:defRPr sz="1800"/>
+              <a:defRPr>
+                <a:solidFill>
+                  <a:schemeClr val="tx1">
+                    <a:tint val="75000"/>
+                  </a:schemeClr>
+                </a:solidFill>
+              </a:defRPr>
             </a:lvl3pPr>
             <a:lvl4pPr marL="1371600" indent="0" algn="ctr">
               <a:buNone/>
-              <a:defRPr sz="1600"/>
+              <a:defRPr>
+                <a:solidFill>
+                  <a:schemeClr val="tx1">
+                    <a:tint val="75000"/>
+                  </a:schemeClr>
+                </a:solidFill>
+              </a:defRPr>
             </a:lvl4pPr>
             <a:lvl5pPr marL="1828800" indent="0" algn="ctr">
               <a:buNone/>
-              <a:defRPr sz="1600"/>
+              <a:defRPr>
+                <a:solidFill>
+                  <a:schemeClr val="tx1">
+                    <a:tint val="75000"/>
+                  </a:schemeClr>
+                </a:solidFill>
+              </a:defRPr>
             </a:lvl5pPr>
             <a:lvl6pPr marL="2286000" indent="0" algn="ctr">
               <a:buNone/>
-              <a:defRPr sz="1600"/>
+              <a:defRPr>
+                <a:solidFill>
+                  <a:schemeClr val="tx1">
+                    <a:tint val="75000"/>
+                  </a:schemeClr>
+                </a:solidFill>
+              </a:defRPr>
             </a:lvl6pPr>
             <a:lvl7pPr marL="2743200" indent="0" algn="ctr">
               <a:buNone/>
-              <a:defRPr sz="1600"/>
+              <a:defRPr>
+                <a:solidFill>
+                  <a:schemeClr val="tx1">
+                    <a:tint val="75000"/>
+                  </a:schemeClr>
+                </a:solidFill>
+              </a:defRPr>
             </a:lvl7pPr>
             <a:lvl8pPr marL="3200400" indent="0" algn="ctr">
               <a:buNone/>
-              <a:defRPr sz="1600"/>
+              <a:defRPr>
+                <a:solidFill>
+                  <a:schemeClr val="tx1">
+                    <a:tint val="75000"/>
+                  </a:schemeClr>
+                </a:solidFill>
+              </a:defRPr>
             </a:lvl8pPr>
             <a:lvl9pPr marL="3657600" indent="0" algn="ctr">
               <a:buNone/>
-              <a:defRPr sz="1600"/>
+              <a:defRPr>
+                <a:solidFill>
+                  <a:schemeClr val="tx1">
+                    <a:tint val="75000"/>
+                  </a:schemeClr>
+                </a:solidFill>
+              </a:defRPr>
             </a:lvl9pPr>
           </a:lstStyle>
           <a:p>
@@ -241,8 +721,9 @@
           <a:bodyPr/>
           <a:lstStyle/>
           <a:p>
-            <a:fld id="{27252CDA-EC3C-41AD-A80A-342E1FB4375B}" type="datetimeFigureOut">
-              <a:rPr lang="ko-KR" altLang="en-US" smtClean="0"/>
+            <a:fld id="{7A4FBDBD-6E0C-4940-9C0A-FBBEF3137930}" type="datetimeFigureOut">
+              <a:rPr lang="ko-KR" altLang="en-US" smtClean="0"/>
+              <a:pPr/>
               <a:t>2016-04-28</a:t>
             </a:fld>
             <a:endParaRPr lang="ko-KR" altLang="en-US"/>
@@ -283,8 +764,9 @@
           <a:bodyPr/>
           <a:lstStyle/>
           <a:p>
-            <a:fld id="{D1619132-FBE1-4FE2-85EE-C5AB83B8508F}" type="slidenum">
-              <a:rPr lang="ko-KR" altLang="en-US" smtClean="0"/>
+            <a:fld id="{1B19CCBE-0262-4DC6-9DDB-189B914AF929}" type="slidenum">
+              <a:rPr lang="ko-KR" altLang="en-US" smtClean="0"/>
+              <a:pPr/>
               <a:t>‹#›</a:t>
             </a:fld>
             <a:endParaRPr lang="ko-KR" altLang="en-US"/>
@@ -292,11 +774,6 @@
         </p:txBody>
       </p:sp>
     </p:spTree>
-    <p:extLst>
-      <p:ext uri="{BB962C8B-B14F-4D97-AF65-F5344CB8AC3E}">
-        <p14:creationId xmlns:p14="http://schemas.microsoft.com/office/powerpoint/2010/main" val="2715110328"/>
-      </p:ext>
-    </p:extLst>
   </p:cSld>
   <p:clrMapOvr>
     <a:masterClrMapping/>
@@ -411,8 +888,9 @@
           <a:bodyPr/>
           <a:lstStyle/>
           <a:p>
-            <a:fld id="{27252CDA-EC3C-41AD-A80A-342E1FB4375B}" type="datetimeFigureOut">
-              <a:rPr lang="ko-KR" altLang="en-US" smtClean="0"/>
+            <a:fld id="{7A4FBDBD-6E0C-4940-9C0A-FBBEF3137930}" type="datetimeFigureOut">
+              <a:rPr lang="ko-KR" altLang="en-US" smtClean="0"/>
+              <a:pPr/>
               <a:t>2016-04-28</a:t>
             </a:fld>
             <a:endParaRPr lang="ko-KR" altLang="en-US"/>
@@ -453,8 +931,9 @@
           <a:bodyPr/>
           <a:lstStyle/>
           <a:p>
-            <a:fld id="{D1619132-FBE1-4FE2-85EE-C5AB83B8508F}" type="slidenum">
-              <a:rPr lang="ko-KR" altLang="en-US" smtClean="0"/>
+            <a:fld id="{1B19CCBE-0262-4DC6-9DDB-189B914AF929}" type="slidenum">
+              <a:rPr lang="ko-KR" altLang="en-US" smtClean="0"/>
+              <a:pPr/>
               <a:t>‹#›</a:t>
             </a:fld>
             <a:endParaRPr lang="ko-KR" altLang="en-US"/>
@@ -462,11 +941,6 @@
         </p:txBody>
       </p:sp>
     </p:spTree>
-    <p:extLst>
-      <p:ext uri="{BB962C8B-B14F-4D97-AF65-F5344CB8AC3E}">
-        <p14:creationId xmlns:p14="http://schemas.microsoft.com/office/powerpoint/2010/main" val="3727235559"/>
-      </p:ext>
-    </p:extLst>
   </p:cSld>
   <p:clrMapOvr>
     <a:masterClrMapping/>
@@ -503,8 +977,8 @@
         </p:nvSpPr>
         <p:spPr>
           <a:xfrm>
-            <a:off x="8724900" y="365125"/>
-            <a:ext cx="2628900" cy="5811838"/>
+            <a:off x="6629400" y="274638"/>
+            <a:ext cx="2057400" cy="5851525"/>
           </a:xfrm>
         </p:spPr>
         <p:txBody>
@@ -531,8 +1005,8 @@
         </p:nvSpPr>
         <p:spPr>
           <a:xfrm>
-            <a:off x="838200" y="365125"/>
-            <a:ext cx="7734300" cy="5811838"/>
+            <a:off x="457200" y="274638"/>
+            <a:ext cx="6019800" cy="5851525"/>
           </a:xfrm>
         </p:spPr>
         <p:txBody>
@@ -591,8 +1065,9 @@
           <a:bodyPr/>
           <a:lstStyle/>
           <a:p>
-            <a:fld id="{27252CDA-EC3C-41AD-A80A-342E1FB4375B}" type="datetimeFigureOut">
-              <a:rPr lang="ko-KR" altLang="en-US" smtClean="0"/>
+            <a:fld id="{7A4FBDBD-6E0C-4940-9C0A-FBBEF3137930}" type="datetimeFigureOut">
+              <a:rPr lang="ko-KR" altLang="en-US" smtClean="0"/>
+              <a:pPr/>
               <a:t>2016-04-28</a:t>
             </a:fld>
             <a:endParaRPr lang="ko-KR" altLang="en-US"/>
@@ -633,8 +1108,9 @@
           <a:bodyPr/>
           <a:lstStyle/>
           <a:p>
-            <a:fld id="{D1619132-FBE1-4FE2-85EE-C5AB83B8508F}" type="slidenum">
-              <a:rPr lang="ko-KR" altLang="en-US" smtClean="0"/>
+            <a:fld id="{1B19CCBE-0262-4DC6-9DDB-189B914AF929}" type="slidenum">
+              <a:rPr lang="ko-KR" altLang="en-US" smtClean="0"/>
+              <a:pPr/>
               <a:t>‹#›</a:t>
             </a:fld>
             <a:endParaRPr lang="ko-KR" altLang="en-US"/>
@@ -642,11 +1118,6 @@
         </p:txBody>
       </p:sp>
     </p:spTree>
-    <p:extLst>
-      <p:ext uri="{BB962C8B-B14F-4D97-AF65-F5344CB8AC3E}">
-        <p14:creationId xmlns:p14="http://schemas.microsoft.com/office/powerpoint/2010/main" val="2536082731"/>
-      </p:ext>
-    </p:extLst>
   </p:cSld>
   <p:clrMapOvr>
     <a:masterClrMapping/>
@@ -761,8 +1232,9 @@
           <a:bodyPr/>
           <a:lstStyle/>
           <a:p>
-            <a:fld id="{27252CDA-EC3C-41AD-A80A-342E1FB4375B}" type="datetimeFigureOut">
-              <a:rPr lang="ko-KR" altLang="en-US" smtClean="0"/>
+            <a:fld id="{7A4FBDBD-6E0C-4940-9C0A-FBBEF3137930}" type="datetimeFigureOut">
+              <a:rPr lang="ko-KR" altLang="en-US" smtClean="0"/>
+              <a:pPr/>
               <a:t>2016-04-28</a:t>
             </a:fld>
             <a:endParaRPr lang="ko-KR" altLang="en-US"/>
@@ -803,8 +1275,9 @@
           <a:bodyPr/>
           <a:lstStyle/>
           <a:p>
-            <a:fld id="{D1619132-FBE1-4FE2-85EE-C5AB83B8508F}" type="slidenum">
-              <a:rPr lang="ko-KR" altLang="en-US" smtClean="0"/>
+            <a:fld id="{1B19CCBE-0262-4DC6-9DDB-189B914AF929}" type="slidenum">
+              <a:rPr lang="ko-KR" altLang="en-US" smtClean="0"/>
+              <a:pPr/>
               <a:t>‹#›</a:t>
             </a:fld>
             <a:endParaRPr lang="ko-KR" altLang="en-US"/>
@@ -812,11 +1285,6 @@
         </p:txBody>
       </p:sp>
     </p:spTree>
-    <p:extLst>
-      <p:ext uri="{BB962C8B-B14F-4D97-AF65-F5344CB8AC3E}">
-        <p14:creationId xmlns:p14="http://schemas.microsoft.com/office/powerpoint/2010/main" val="1164032644"/>
-      </p:ext>
-    </p:extLst>
   </p:cSld>
   <p:clrMapOvr>
     <a:masterClrMapping/>
@@ -853,48 +1321,48 @@
         </p:nvSpPr>
         <p:spPr>
           <a:xfrm>
-            <a:off x="831850" y="1709738"/>
-            <a:ext cx="10515600" cy="2852737"/>
+            <a:off x="722313" y="4406900"/>
+            <a:ext cx="7772400" cy="1362075"/>
           </a:xfrm>
         </p:spPr>
         <p:txBody>
+          <a:bodyPr anchor="t"/>
+          <a:lstStyle>
+            <a:lvl1pPr algn="l">
+              <a:defRPr sz="4000" b="1" cap="all"/>
+            </a:lvl1pPr>
+          </a:lstStyle>
+          <a:p>
+            <a:r>
+              <a:rPr lang="ko-KR" altLang="en-US" smtClean="0"/>
+              <a:t>마스터 제목 스타일 편집</a:t>
+            </a:r>
+            <a:endParaRPr lang="ko-KR" altLang="en-US"/>
+          </a:p>
+        </p:txBody>
+      </p:sp>
+      <p:sp>
+        <p:nvSpPr>
+          <p:cNvPr id="3" name="텍스트 개체 틀 2"/>
+          <p:cNvSpPr>
+            <a:spLocks noGrp="1"/>
+          </p:cNvSpPr>
+          <p:nvPr>
+            <p:ph type="body" idx="1"/>
+          </p:nvPr>
+        </p:nvSpPr>
+        <p:spPr>
+          <a:xfrm>
+            <a:off x="722313" y="2906713"/>
+            <a:ext cx="7772400" cy="1500187"/>
+          </a:xfrm>
+        </p:spPr>
+        <p:txBody>
           <a:bodyPr anchor="b"/>
           <a:lstStyle>
-            <a:lvl1pPr>
-              <a:defRPr sz="6000"/>
-            </a:lvl1pPr>
-          </a:lstStyle>
-          <a:p>
-            <a:r>
-              <a:rPr lang="ko-KR" altLang="en-US" smtClean="0"/>
-              <a:t>마스터 제목 스타일 편집</a:t>
-            </a:r>
-            <a:endParaRPr lang="ko-KR" altLang="en-US"/>
-          </a:p>
-        </p:txBody>
-      </p:sp>
-      <p:sp>
-        <p:nvSpPr>
-          <p:cNvPr id="3" name="텍스트 개체 틀 2"/>
-          <p:cNvSpPr>
-            <a:spLocks noGrp="1"/>
-          </p:cNvSpPr>
-          <p:nvPr>
-            <p:ph type="body" idx="1"/>
-          </p:nvPr>
-        </p:nvSpPr>
-        <p:spPr>
-          <a:xfrm>
-            <a:off x="831850" y="4589463"/>
-            <a:ext cx="10515600" cy="1500187"/>
-          </a:xfrm>
-        </p:spPr>
-        <p:txBody>
-          <a:bodyPr/>
-          <a:lstStyle>
             <a:lvl1pPr marL="0" indent="0">
               <a:buNone/>
-              <a:defRPr sz="2400">
+              <a:defRPr sz="2000">
                 <a:solidFill>
                   <a:schemeClr val="tx1">
                     <a:tint val="75000"/>
@@ -904,7 +1372,7 @@
             </a:lvl1pPr>
             <a:lvl2pPr marL="457200" indent="0">
               <a:buNone/>
-              <a:defRPr sz="2000">
+              <a:defRPr sz="1800">
                 <a:solidFill>
                   <a:schemeClr val="tx1">
                     <a:tint val="75000"/>
@@ -914,7 +1382,7 @@
             </a:lvl2pPr>
             <a:lvl3pPr marL="914400" indent="0">
               <a:buNone/>
-              <a:defRPr sz="1800">
+              <a:defRPr sz="1600">
                 <a:solidFill>
                   <a:schemeClr val="tx1">
                     <a:tint val="75000"/>
@@ -924,7 +1392,7 @@
             </a:lvl3pPr>
             <a:lvl4pPr marL="1371600" indent="0">
               <a:buNone/>
-              <a:defRPr sz="1600">
+              <a:defRPr sz="1400">
                 <a:solidFill>
                   <a:schemeClr val="tx1">
                     <a:tint val="75000"/>
@@ -934,7 +1402,7 @@
             </a:lvl4pPr>
             <a:lvl5pPr marL="1828800" indent="0">
               <a:buNone/>
-              <a:defRPr sz="1600">
+              <a:defRPr sz="1400">
                 <a:solidFill>
                   <a:schemeClr val="tx1">
                     <a:tint val="75000"/>
@@ -944,7 +1412,7 @@
             </a:lvl5pPr>
             <a:lvl6pPr marL="2286000" indent="0">
               <a:buNone/>
-              <a:defRPr sz="1600">
+              <a:defRPr sz="1400">
                 <a:solidFill>
                   <a:schemeClr val="tx1">
                     <a:tint val="75000"/>
@@ -954,7 +1422,7 @@
             </a:lvl6pPr>
             <a:lvl7pPr marL="2743200" indent="0">
               <a:buNone/>
-              <a:defRPr sz="1600">
+              <a:defRPr sz="1400">
                 <a:solidFill>
                   <a:schemeClr val="tx1">
                     <a:tint val="75000"/>
@@ -964,7 +1432,7 @@
             </a:lvl7pPr>
             <a:lvl8pPr marL="3200400" indent="0">
               <a:buNone/>
-              <a:defRPr sz="1600">
+              <a:defRPr sz="1400">
                 <a:solidFill>
                   <a:schemeClr val="tx1">
                     <a:tint val="75000"/>
@@ -974,7 +1442,7 @@
             </a:lvl8pPr>
             <a:lvl9pPr marL="3657600" indent="0">
               <a:buNone/>
-              <a:defRPr sz="1600">
+              <a:defRPr sz="1400">
                 <a:solidFill>
                   <a:schemeClr val="tx1">
                     <a:tint val="75000"/>
@@ -1007,8 +1475,9 @@
           <a:bodyPr/>
           <a:lstStyle/>
           <a:p>
-            <a:fld id="{27252CDA-EC3C-41AD-A80A-342E1FB4375B}" type="datetimeFigureOut">
-              <a:rPr lang="ko-KR" altLang="en-US" smtClean="0"/>
+            <a:fld id="{7A4FBDBD-6E0C-4940-9C0A-FBBEF3137930}" type="datetimeFigureOut">
+              <a:rPr lang="ko-KR" altLang="en-US" smtClean="0"/>
+              <a:pPr/>
               <a:t>2016-04-28</a:t>
             </a:fld>
             <a:endParaRPr lang="ko-KR" altLang="en-US"/>
@@ -1049,8 +1518,9 @@
           <a:bodyPr/>
           <a:lstStyle/>
           <a:p>
-            <a:fld id="{D1619132-FBE1-4FE2-85EE-C5AB83B8508F}" type="slidenum">
-              <a:rPr lang="ko-KR" altLang="en-US" smtClean="0"/>
+            <a:fld id="{1B19CCBE-0262-4DC6-9DDB-189B914AF929}" type="slidenum">
+              <a:rPr lang="ko-KR" altLang="en-US" smtClean="0"/>
+              <a:pPr/>
               <a:t>‹#›</a:t>
             </a:fld>
             <a:endParaRPr lang="ko-KR" altLang="en-US"/>
@@ -1058,11 +1528,6 @@
         </p:txBody>
       </p:sp>
     </p:spTree>
-    <p:extLst>
-      <p:ext uri="{BB962C8B-B14F-4D97-AF65-F5344CB8AC3E}">
-        <p14:creationId xmlns:p14="http://schemas.microsoft.com/office/powerpoint/2010/main" val="2672445493"/>
-      </p:ext>
-    </p:extLst>
   </p:cSld>
   <p:clrMapOvr>
     <a:masterClrMapping/>
@@ -1122,13 +1587,41 @@
         </p:nvSpPr>
         <p:spPr>
           <a:xfrm>
-            <a:off x="838200" y="1825625"/>
-            <a:ext cx="5181600" cy="4351338"/>
+            <a:off x="457200" y="1600200"/>
+            <a:ext cx="4038600" cy="4525963"/>
           </a:xfrm>
         </p:spPr>
         <p:txBody>
           <a:bodyPr/>
-          <a:lstStyle/>
+          <a:lstStyle>
+            <a:lvl1pPr>
+              <a:defRPr sz="2800"/>
+            </a:lvl1pPr>
+            <a:lvl2pPr>
+              <a:defRPr sz="2400"/>
+            </a:lvl2pPr>
+            <a:lvl3pPr>
+              <a:defRPr sz="2000"/>
+            </a:lvl3pPr>
+            <a:lvl4pPr>
+              <a:defRPr sz="1800"/>
+            </a:lvl4pPr>
+            <a:lvl5pPr>
+              <a:defRPr sz="1800"/>
+            </a:lvl5pPr>
+            <a:lvl6pPr>
+              <a:defRPr sz="1800"/>
+            </a:lvl6pPr>
+            <a:lvl7pPr>
+              <a:defRPr sz="1800"/>
+            </a:lvl7pPr>
+            <a:lvl8pPr>
+              <a:defRPr sz="1800"/>
+            </a:lvl8pPr>
+            <a:lvl9pPr>
+              <a:defRPr sz="1800"/>
+            </a:lvl9pPr>
+          </a:lstStyle>
           <a:p>
             <a:pPr lvl="0"/>
             <a:r>
@@ -1179,13 +1672,41 @@
         </p:nvSpPr>
         <p:spPr>
           <a:xfrm>
-            <a:off x="6172200" y="1825625"/>
-            <a:ext cx="5181600" cy="4351338"/>
+            <a:off x="4648200" y="1600200"/>
+            <a:ext cx="4038600" cy="4525963"/>
           </a:xfrm>
         </p:spPr>
         <p:txBody>
           <a:bodyPr/>
-          <a:lstStyle/>
+          <a:lstStyle>
+            <a:lvl1pPr>
+              <a:defRPr sz="2800"/>
+            </a:lvl1pPr>
+            <a:lvl2pPr>
+              <a:defRPr sz="2400"/>
+            </a:lvl2pPr>
+            <a:lvl3pPr>
+              <a:defRPr sz="2000"/>
+            </a:lvl3pPr>
+            <a:lvl4pPr>
+              <a:defRPr sz="1800"/>
+            </a:lvl4pPr>
+            <a:lvl5pPr>
+              <a:defRPr sz="1800"/>
+            </a:lvl5pPr>
+            <a:lvl6pPr>
+              <a:defRPr sz="1800"/>
+            </a:lvl6pPr>
+            <a:lvl7pPr>
+              <a:defRPr sz="1800"/>
+            </a:lvl7pPr>
+            <a:lvl8pPr>
+              <a:defRPr sz="1800"/>
+            </a:lvl8pPr>
+            <a:lvl9pPr>
+              <a:defRPr sz="1800"/>
+            </a:lvl9pPr>
+          </a:lstStyle>
           <a:p>
             <a:pPr lvl="0"/>
             <a:r>
@@ -1239,8 +1760,9 @@
           <a:bodyPr/>
           <a:lstStyle/>
           <a:p>
-            <a:fld id="{27252CDA-EC3C-41AD-A80A-342E1FB4375B}" type="datetimeFigureOut">
-              <a:rPr lang="ko-KR" altLang="en-US" smtClean="0"/>
+            <a:fld id="{7A4FBDBD-6E0C-4940-9C0A-FBBEF3137930}" type="datetimeFigureOut">
+              <a:rPr lang="ko-KR" altLang="en-US" smtClean="0"/>
+              <a:pPr/>
               <a:t>2016-04-28</a:t>
             </a:fld>
             <a:endParaRPr lang="ko-KR" altLang="en-US"/>
@@ -1281,8 +1803,9 @@
           <a:bodyPr/>
           <a:lstStyle/>
           <a:p>
-            <a:fld id="{D1619132-FBE1-4FE2-85EE-C5AB83B8508F}" type="slidenum">
-              <a:rPr lang="ko-KR" altLang="en-US" smtClean="0"/>
+            <a:fld id="{1B19CCBE-0262-4DC6-9DDB-189B914AF929}" type="slidenum">
+              <a:rPr lang="ko-KR" altLang="en-US" smtClean="0"/>
+              <a:pPr/>
               <a:t>‹#›</a:t>
             </a:fld>
             <a:endParaRPr lang="ko-KR" altLang="en-US"/>
@@ -1290,11 +1813,6 @@
         </p:txBody>
       </p:sp>
     </p:spTree>
-    <p:extLst>
-      <p:ext uri="{BB962C8B-B14F-4D97-AF65-F5344CB8AC3E}">
-        <p14:creationId xmlns:p14="http://schemas.microsoft.com/office/powerpoint/2010/main" val="3583058512"/>
-      </p:ext>
-    </p:extLst>
   </p:cSld>
   <p:clrMapOvr>
     <a:masterClrMapping/>
@@ -1329,38 +1847,37 @@
             <p:ph type="title"/>
           </p:nvPr>
         </p:nvSpPr>
+        <p:spPr/>
+        <p:txBody>
+          <a:bodyPr/>
+          <a:lstStyle>
+            <a:lvl1pPr>
+              <a:defRPr/>
+            </a:lvl1pPr>
+          </a:lstStyle>
+          <a:p>
+            <a:r>
+              <a:rPr lang="ko-KR" altLang="en-US" smtClean="0"/>
+              <a:t>마스터 제목 스타일 편집</a:t>
+            </a:r>
+            <a:endParaRPr lang="ko-KR" altLang="en-US"/>
+          </a:p>
+        </p:txBody>
+      </p:sp>
+      <p:sp>
+        <p:nvSpPr>
+          <p:cNvPr id="3" name="텍스트 개체 틀 2"/>
+          <p:cNvSpPr>
+            <a:spLocks noGrp="1"/>
+          </p:cNvSpPr>
+          <p:nvPr>
+            <p:ph type="body" idx="1"/>
+          </p:nvPr>
+        </p:nvSpPr>
         <p:spPr>
           <a:xfrm>
-            <a:off x="839788" y="365125"/>
-            <a:ext cx="10515600" cy="1325563"/>
-          </a:xfrm>
-        </p:spPr>
-        <p:txBody>
-          <a:bodyPr/>
-          <a:lstStyle/>
-          <a:p>
-            <a:r>
-              <a:rPr lang="ko-KR" altLang="en-US" smtClean="0"/>
-              <a:t>마스터 제목 스타일 편집</a:t>
-            </a:r>
-            <a:endParaRPr lang="ko-KR" altLang="en-US"/>
-          </a:p>
-        </p:txBody>
-      </p:sp>
-      <p:sp>
-        <p:nvSpPr>
-          <p:cNvPr id="3" name="텍스트 개체 틀 2"/>
-          <p:cNvSpPr>
-            <a:spLocks noGrp="1"/>
-          </p:cNvSpPr>
-          <p:nvPr>
-            <p:ph type="body" idx="1"/>
-          </p:nvPr>
-        </p:nvSpPr>
-        <p:spPr>
-          <a:xfrm>
-            <a:off x="839788" y="1681163"/>
-            <a:ext cx="5157787" cy="823912"/>
+            <a:off x="457200" y="1535113"/>
+            <a:ext cx="4040188" cy="639762"/>
           </a:xfrm>
         </p:spPr>
         <p:txBody>
@@ -1424,13 +1941,41 @@
         </p:nvSpPr>
         <p:spPr>
           <a:xfrm>
-            <a:off x="839788" y="2505075"/>
-            <a:ext cx="5157787" cy="3684588"/>
+            <a:off x="457200" y="2174875"/>
+            <a:ext cx="4040188" cy="3951288"/>
           </a:xfrm>
         </p:spPr>
         <p:txBody>
           <a:bodyPr/>
-          <a:lstStyle/>
+          <a:lstStyle>
+            <a:lvl1pPr>
+              <a:defRPr sz="2400"/>
+            </a:lvl1pPr>
+            <a:lvl2pPr>
+              <a:defRPr sz="2000"/>
+            </a:lvl2pPr>
+            <a:lvl3pPr>
+              <a:defRPr sz="1800"/>
+            </a:lvl3pPr>
+            <a:lvl4pPr>
+              <a:defRPr sz="1600"/>
+            </a:lvl4pPr>
+            <a:lvl5pPr>
+              <a:defRPr sz="1600"/>
+            </a:lvl5pPr>
+            <a:lvl6pPr>
+              <a:defRPr sz="1600"/>
+            </a:lvl6pPr>
+            <a:lvl7pPr>
+              <a:defRPr sz="1600"/>
+            </a:lvl7pPr>
+            <a:lvl8pPr>
+              <a:defRPr sz="1600"/>
+            </a:lvl8pPr>
+            <a:lvl9pPr>
+              <a:defRPr sz="1600"/>
+            </a:lvl9pPr>
+          </a:lstStyle>
           <a:p>
             <a:pPr lvl="0"/>
             <a:r>
@@ -1481,8 +2026,8 @@
         </p:nvSpPr>
         <p:spPr>
           <a:xfrm>
-            <a:off x="6172200" y="1681163"/>
-            <a:ext cx="5183188" cy="823912"/>
+            <a:off x="4645025" y="1535113"/>
+            <a:ext cx="4041775" cy="639762"/>
           </a:xfrm>
         </p:spPr>
         <p:txBody>
@@ -1546,13 +2091,41 @@
         </p:nvSpPr>
         <p:spPr>
           <a:xfrm>
-            <a:off x="6172200" y="2505075"/>
-            <a:ext cx="5183188" cy="3684588"/>
+            <a:off x="4645025" y="2174875"/>
+            <a:ext cx="4041775" cy="3951288"/>
           </a:xfrm>
         </p:spPr>
         <p:txBody>
           <a:bodyPr/>
-          <a:lstStyle/>
+          <a:lstStyle>
+            <a:lvl1pPr>
+              <a:defRPr sz="2400"/>
+            </a:lvl1pPr>
+            <a:lvl2pPr>
+              <a:defRPr sz="2000"/>
+            </a:lvl2pPr>
+            <a:lvl3pPr>
+              <a:defRPr sz="1800"/>
+            </a:lvl3pPr>
+            <a:lvl4pPr>
+              <a:defRPr sz="1600"/>
+            </a:lvl4pPr>
+            <a:lvl5pPr>
+              <a:defRPr sz="1600"/>
+            </a:lvl5pPr>
+            <a:lvl6pPr>
+              <a:defRPr sz="1600"/>
+            </a:lvl6pPr>
+            <a:lvl7pPr>
+              <a:defRPr sz="1600"/>
+            </a:lvl7pPr>
+            <a:lvl8pPr>
+              <a:defRPr sz="1600"/>
+            </a:lvl8pPr>
+            <a:lvl9pPr>
+              <a:defRPr sz="1600"/>
+            </a:lvl9pPr>
+          </a:lstStyle>
           <a:p>
             <a:pPr lvl="0"/>
             <a:r>
@@ -1606,8 +2179,9 @@
           <a:bodyPr/>
           <a:lstStyle/>
           <a:p>
-            <a:fld id="{27252CDA-EC3C-41AD-A80A-342E1FB4375B}" type="datetimeFigureOut">
-              <a:rPr lang="ko-KR" altLang="en-US" smtClean="0"/>
+            <a:fld id="{7A4FBDBD-6E0C-4940-9C0A-FBBEF3137930}" type="datetimeFigureOut">
+              <a:rPr lang="ko-KR" altLang="en-US" smtClean="0"/>
+              <a:pPr/>
               <a:t>2016-04-28</a:t>
             </a:fld>
             <a:endParaRPr lang="ko-KR" altLang="en-US"/>
@@ -1648,8 +2222,9 @@
           <a:bodyPr/>
           <a:lstStyle/>
           <a:p>
-            <a:fld id="{D1619132-FBE1-4FE2-85EE-C5AB83B8508F}" type="slidenum">
-              <a:rPr lang="ko-KR" altLang="en-US" smtClean="0"/>
+            <a:fld id="{1B19CCBE-0262-4DC6-9DDB-189B914AF929}" type="slidenum">
+              <a:rPr lang="ko-KR" altLang="en-US" smtClean="0"/>
+              <a:pPr/>
               <a:t>‹#›</a:t>
             </a:fld>
             <a:endParaRPr lang="ko-KR" altLang="en-US"/>
@@ -1657,11 +2232,6 @@
         </p:txBody>
       </p:sp>
     </p:spTree>
-    <p:extLst>
-      <p:ext uri="{BB962C8B-B14F-4D97-AF65-F5344CB8AC3E}">
-        <p14:creationId xmlns:p14="http://schemas.microsoft.com/office/powerpoint/2010/main" val="2887961169"/>
-      </p:ext>
-    </p:extLst>
   </p:cSld>
   <p:clrMapOvr>
     <a:masterClrMapping/>
@@ -1724,8 +2294,9 @@
           <a:bodyPr/>
           <a:lstStyle/>
           <a:p>
-            <a:fld id="{27252CDA-EC3C-41AD-A80A-342E1FB4375B}" type="datetimeFigureOut">
-              <a:rPr lang="ko-KR" altLang="en-US" smtClean="0"/>
+            <a:fld id="{7A4FBDBD-6E0C-4940-9C0A-FBBEF3137930}" type="datetimeFigureOut">
+              <a:rPr lang="ko-KR" altLang="en-US" smtClean="0"/>
+              <a:pPr/>
               <a:t>2016-04-28</a:t>
             </a:fld>
             <a:endParaRPr lang="ko-KR" altLang="en-US"/>
@@ -1766,8 +2337,9 @@
           <a:bodyPr/>
           <a:lstStyle/>
           <a:p>
-            <a:fld id="{D1619132-FBE1-4FE2-85EE-C5AB83B8508F}" type="slidenum">
-              <a:rPr lang="ko-KR" altLang="en-US" smtClean="0"/>
+            <a:fld id="{1B19CCBE-0262-4DC6-9DDB-189B914AF929}" type="slidenum">
+              <a:rPr lang="ko-KR" altLang="en-US" smtClean="0"/>
+              <a:pPr/>
               <a:t>‹#›</a:t>
             </a:fld>
             <a:endParaRPr lang="ko-KR" altLang="en-US"/>
@@ -1775,11 +2347,6 @@
         </p:txBody>
       </p:sp>
     </p:spTree>
-    <p:extLst>
-      <p:ext uri="{BB962C8B-B14F-4D97-AF65-F5344CB8AC3E}">
-        <p14:creationId xmlns:p14="http://schemas.microsoft.com/office/powerpoint/2010/main" val="667028161"/>
-      </p:ext>
-    </p:extLst>
   </p:cSld>
   <p:clrMapOvr>
     <a:masterClrMapping/>
@@ -1819,8 +2386,9 @@
           <a:bodyPr/>
           <a:lstStyle/>
           <a:p>
-            <a:fld id="{27252CDA-EC3C-41AD-A80A-342E1FB4375B}" type="datetimeFigureOut">
-              <a:rPr lang="ko-KR" altLang="en-US" smtClean="0"/>
+            <a:fld id="{7A4FBDBD-6E0C-4940-9C0A-FBBEF3137930}" type="datetimeFigureOut">
+              <a:rPr lang="ko-KR" altLang="en-US" smtClean="0"/>
+              <a:pPr/>
               <a:t>2016-04-28</a:t>
             </a:fld>
             <a:endParaRPr lang="ko-KR" altLang="en-US"/>
@@ -1861,8 +2429,9 @@
           <a:bodyPr/>
           <a:lstStyle/>
           <a:p>
-            <a:fld id="{D1619132-FBE1-4FE2-85EE-C5AB83B8508F}" type="slidenum">
-              <a:rPr lang="ko-KR" altLang="en-US" smtClean="0"/>
+            <a:fld id="{1B19CCBE-0262-4DC6-9DDB-189B914AF929}" type="slidenum">
+              <a:rPr lang="ko-KR" altLang="en-US" smtClean="0"/>
+              <a:pPr/>
               <a:t>‹#›</a:t>
             </a:fld>
             <a:endParaRPr lang="ko-KR" altLang="en-US"/>
@@ -1870,11 +2439,6 @@
         </p:txBody>
       </p:sp>
     </p:spTree>
-    <p:extLst>
-      <p:ext uri="{BB962C8B-B14F-4D97-AF65-F5344CB8AC3E}">
-        <p14:creationId xmlns:p14="http://schemas.microsoft.com/office/powerpoint/2010/main" val="33991292"/>
-      </p:ext>
-    </p:extLst>
   </p:cSld>
   <p:clrMapOvr>
     <a:masterClrMapping/>
@@ -1911,15 +2475,15 @@
         </p:nvSpPr>
         <p:spPr>
           <a:xfrm>
-            <a:off x="839788" y="457200"/>
-            <a:ext cx="3932237" cy="1600200"/>
+            <a:off x="457200" y="273050"/>
+            <a:ext cx="3008313" cy="1162050"/>
           </a:xfrm>
         </p:spPr>
         <p:txBody>
           <a:bodyPr anchor="b"/>
           <a:lstStyle>
-            <a:lvl1pPr>
-              <a:defRPr sz="3200"/>
+            <a:lvl1pPr algn="l">
+              <a:defRPr sz="2000" b="1"/>
             </a:lvl1pPr>
           </a:lstStyle>
           <a:p>
@@ -1943,8 +2507,8 @@
         </p:nvSpPr>
         <p:spPr>
           <a:xfrm>
-            <a:off x="5183188" y="987425"/>
-            <a:ext cx="6172200" cy="4873625"/>
+            <a:off x="3575050" y="273050"/>
+            <a:ext cx="5111750" cy="5853113"/>
           </a:xfrm>
         </p:spPr>
         <p:txBody>
@@ -2028,8 +2592,8 @@
         </p:nvSpPr>
         <p:spPr>
           <a:xfrm>
-            <a:off x="839788" y="2057400"/>
-            <a:ext cx="3932237" cy="3811588"/>
+            <a:off x="457200" y="1435100"/>
+            <a:ext cx="3008313" cy="4691063"/>
           </a:xfrm>
         </p:spPr>
         <p:txBody>
@@ -2037,39 +2601,39 @@
           <a:lstStyle>
             <a:lvl1pPr marL="0" indent="0">
               <a:buNone/>
-              <a:defRPr sz="1600"/>
+              <a:defRPr sz="1400"/>
             </a:lvl1pPr>
             <a:lvl2pPr marL="457200" indent="0">
               <a:buNone/>
-              <a:defRPr sz="1400"/>
+              <a:defRPr sz="1200"/>
             </a:lvl2pPr>
             <a:lvl3pPr marL="914400" indent="0">
               <a:buNone/>
-              <a:defRPr sz="1200"/>
+              <a:defRPr sz="1000"/>
             </a:lvl3pPr>
             <a:lvl4pPr marL="1371600" indent="0">
               <a:buNone/>
-              <a:defRPr sz="1000"/>
+              <a:defRPr sz="900"/>
             </a:lvl4pPr>
             <a:lvl5pPr marL="1828800" indent="0">
               <a:buNone/>
-              <a:defRPr sz="1000"/>
+              <a:defRPr sz="900"/>
             </a:lvl5pPr>
             <a:lvl6pPr marL="2286000" indent="0">
               <a:buNone/>
-              <a:defRPr sz="1000"/>
+              <a:defRPr sz="900"/>
             </a:lvl6pPr>
             <a:lvl7pPr marL="2743200" indent="0">
               <a:buNone/>
-              <a:defRPr sz="1000"/>
+              <a:defRPr sz="900"/>
             </a:lvl7pPr>
             <a:lvl8pPr marL="3200400" indent="0">
               <a:buNone/>
-              <a:defRPr sz="1000"/>
+              <a:defRPr sz="900"/>
             </a:lvl8pPr>
             <a:lvl9pPr marL="3657600" indent="0">
               <a:buNone/>
-              <a:defRPr sz="1000"/>
+              <a:defRPr sz="900"/>
             </a:lvl9pPr>
           </a:lstStyle>
           <a:p>
@@ -2096,8 +2660,9 @@
           <a:bodyPr/>
           <a:lstStyle/>
           <a:p>
-            <a:fld id="{27252CDA-EC3C-41AD-A80A-342E1FB4375B}" type="datetimeFigureOut">
-              <a:rPr lang="ko-KR" altLang="en-US" smtClean="0"/>
+            <a:fld id="{7A4FBDBD-6E0C-4940-9C0A-FBBEF3137930}" type="datetimeFigureOut">
+              <a:rPr lang="ko-KR" altLang="en-US" smtClean="0"/>
+              <a:pPr/>
               <a:t>2016-04-28</a:t>
             </a:fld>
             <a:endParaRPr lang="ko-KR" altLang="en-US"/>
@@ -2138,8 +2703,9 @@
           <a:bodyPr/>
           <a:lstStyle/>
           <a:p>
-            <a:fld id="{D1619132-FBE1-4FE2-85EE-C5AB83B8508F}" type="slidenum">
-              <a:rPr lang="ko-KR" altLang="en-US" smtClean="0"/>
+            <a:fld id="{1B19CCBE-0262-4DC6-9DDB-189B914AF929}" type="slidenum">
+              <a:rPr lang="ko-KR" altLang="en-US" smtClean="0"/>
+              <a:pPr/>
               <a:t>‹#›</a:t>
             </a:fld>
             <a:endParaRPr lang="ko-KR" altLang="en-US"/>
@@ -2147,11 +2713,6 @@
         </p:txBody>
       </p:sp>
     </p:spTree>
-    <p:extLst>
-      <p:ext uri="{BB962C8B-B14F-4D97-AF65-F5344CB8AC3E}">
-        <p14:creationId xmlns:p14="http://schemas.microsoft.com/office/powerpoint/2010/main" val="2411002425"/>
-      </p:ext>
-    </p:extLst>
   </p:cSld>
   <p:clrMapOvr>
     <a:masterClrMapping/>
@@ -2188,15 +2749,15 @@
         </p:nvSpPr>
         <p:spPr>
           <a:xfrm>
-            <a:off x="839788" y="457200"/>
-            <a:ext cx="3932237" cy="1600200"/>
+            <a:off x="1792288" y="4800600"/>
+            <a:ext cx="5486400" cy="566738"/>
           </a:xfrm>
         </p:spPr>
         <p:txBody>
           <a:bodyPr anchor="b"/>
           <a:lstStyle>
-            <a:lvl1pPr>
-              <a:defRPr sz="3200"/>
+            <a:lvl1pPr algn="l">
+              <a:defRPr sz="2000" b="1"/>
             </a:lvl1pPr>
           </a:lstStyle>
           <a:p>
@@ -2220,8 +2781,8 @@
         </p:nvSpPr>
         <p:spPr>
           <a:xfrm>
-            <a:off x="5183188" y="987425"/>
-            <a:ext cx="6172200" cy="4873625"/>
+            <a:off x="1792288" y="612775"/>
+            <a:ext cx="5486400" cy="4114800"/>
           </a:xfrm>
         </p:spPr>
         <p:txBody>
@@ -2281,8 +2842,8 @@
         </p:nvSpPr>
         <p:spPr>
           <a:xfrm>
-            <a:off x="839788" y="2057400"/>
-            <a:ext cx="3932237" cy="3811588"/>
+            <a:off x="1792288" y="5367338"/>
+            <a:ext cx="5486400" cy="804862"/>
           </a:xfrm>
         </p:spPr>
         <p:txBody>
@@ -2290,39 +2851,39 @@
           <a:lstStyle>
             <a:lvl1pPr marL="0" indent="0">
               <a:buNone/>
-              <a:defRPr sz="1600"/>
+              <a:defRPr sz="1400"/>
             </a:lvl1pPr>
             <a:lvl2pPr marL="457200" indent="0">
               <a:buNone/>
-              <a:defRPr sz="1400"/>
+              <a:defRPr sz="1200"/>
             </a:lvl2pPr>
             <a:lvl3pPr marL="914400" indent="0">
               <a:buNone/>
-              <a:defRPr sz="1200"/>
+              <a:defRPr sz="1000"/>
             </a:lvl3pPr>
             <a:lvl4pPr marL="1371600" indent="0">
               <a:buNone/>
-              <a:defRPr sz="1000"/>
+              <a:defRPr sz="900"/>
             </a:lvl4pPr>
             <a:lvl5pPr marL="1828800" indent="0">
               <a:buNone/>
-              <a:defRPr sz="1000"/>
+              <a:defRPr sz="900"/>
             </a:lvl5pPr>
             <a:lvl6pPr marL="2286000" indent="0">
               <a:buNone/>
-              <a:defRPr sz="1000"/>
+              <a:defRPr sz="900"/>
             </a:lvl6pPr>
             <a:lvl7pPr marL="2743200" indent="0">
               <a:buNone/>
-              <a:defRPr sz="1000"/>
+              <a:defRPr sz="900"/>
             </a:lvl7pPr>
             <a:lvl8pPr marL="3200400" indent="0">
               <a:buNone/>
-              <a:defRPr sz="1000"/>
+              <a:defRPr sz="900"/>
             </a:lvl8pPr>
             <a:lvl9pPr marL="3657600" indent="0">
               <a:buNone/>
-              <a:defRPr sz="1000"/>
+              <a:defRPr sz="900"/>
             </a:lvl9pPr>
           </a:lstStyle>
           <a:p>
@@ -2349,8 +2910,9 @@
           <a:bodyPr/>
           <a:lstStyle/>
           <a:p>
-            <a:fld id="{27252CDA-EC3C-41AD-A80A-342E1FB4375B}" type="datetimeFigureOut">
-              <a:rPr lang="ko-KR" altLang="en-US" smtClean="0"/>
+            <a:fld id="{7A4FBDBD-6E0C-4940-9C0A-FBBEF3137930}" type="datetimeFigureOut">
+              <a:rPr lang="ko-KR" altLang="en-US" smtClean="0"/>
+              <a:pPr/>
               <a:t>2016-04-28</a:t>
             </a:fld>
             <a:endParaRPr lang="ko-KR" altLang="en-US"/>
@@ -2391,8 +2953,9 @@
           <a:bodyPr/>
           <a:lstStyle/>
           <a:p>
-            <a:fld id="{D1619132-FBE1-4FE2-85EE-C5AB83B8508F}" type="slidenum">
-              <a:rPr lang="ko-KR" altLang="en-US" smtClean="0"/>
+            <a:fld id="{1B19CCBE-0262-4DC6-9DDB-189B914AF929}" type="slidenum">
+              <a:rPr lang="ko-KR" altLang="en-US" smtClean="0"/>
+              <a:pPr/>
               <a:t>‹#›</a:t>
             </a:fld>
             <a:endParaRPr lang="ko-KR" altLang="en-US"/>
@@ -2400,11 +2963,6 @@
         </p:txBody>
       </p:sp>
     </p:spTree>
-    <p:extLst>
-      <p:ext uri="{BB962C8B-B14F-4D97-AF65-F5344CB8AC3E}">
-        <p14:creationId xmlns:p14="http://schemas.microsoft.com/office/powerpoint/2010/main" val="1196765070"/>
-      </p:ext>
-    </p:extLst>
   </p:cSld>
   <p:clrMapOvr>
     <a:masterClrMapping/>
@@ -2446,8 +3004,8 @@
         </p:nvSpPr>
         <p:spPr>
           <a:xfrm>
-            <a:off x="838200" y="365125"/>
-            <a:ext cx="10515600" cy="1325563"/>
+            <a:off x="457200" y="274638"/>
+            <a:ext cx="8229600" cy="1143000"/>
           </a:xfrm>
           <a:prstGeom prst="rect">
             <a:avLst/>
@@ -2479,8 +3037,8 @@
         </p:nvSpPr>
         <p:spPr>
           <a:xfrm>
-            <a:off x="838200" y="1825625"/>
-            <a:ext cx="10515600" cy="4351338"/>
+            <a:off x="457200" y="1600200"/>
+            <a:ext cx="8229600" cy="4525963"/>
           </a:xfrm>
           <a:prstGeom prst="rect">
             <a:avLst/>
@@ -2541,8 +3099,8 @@
         </p:nvSpPr>
         <p:spPr>
           <a:xfrm>
-            <a:off x="838200" y="6356350"/>
-            <a:ext cx="2743200" cy="365125"/>
+            <a:off x="457200" y="6356350"/>
+            <a:ext cx="2133600" cy="365125"/>
           </a:xfrm>
           <a:prstGeom prst="rect">
             <a:avLst/>
@@ -2562,8 +3120,9 @@
             </a:lvl1pPr>
           </a:lstStyle>
           <a:p>
-            <a:fld id="{27252CDA-EC3C-41AD-A80A-342E1FB4375B}" type="datetimeFigureOut">
-              <a:rPr lang="ko-KR" altLang="en-US" smtClean="0"/>
+            <a:fld id="{7A4FBDBD-6E0C-4940-9C0A-FBBEF3137930}" type="datetimeFigureOut">
+              <a:rPr lang="ko-KR" altLang="en-US" smtClean="0"/>
+              <a:pPr/>
               <a:t>2016-04-28</a:t>
             </a:fld>
             <a:endParaRPr lang="ko-KR" altLang="en-US"/>
@@ -2582,8 +3141,8 @@
         </p:nvSpPr>
         <p:spPr>
           <a:xfrm>
-            <a:off x="4038600" y="6356350"/>
-            <a:ext cx="4114800" cy="365125"/>
+            <a:off x="3124200" y="6356350"/>
+            <a:ext cx="2895600" cy="365125"/>
           </a:xfrm>
           <a:prstGeom prst="rect">
             <a:avLst/>
@@ -2619,8 +3178,8 @@
         </p:nvSpPr>
         <p:spPr>
           <a:xfrm>
-            <a:off x="8610600" y="6356350"/>
-            <a:ext cx="2743200" cy="365125"/>
+            <a:off x="6553200" y="6356350"/>
+            <a:ext cx="2133600" cy="365125"/>
           </a:xfrm>
           <a:prstGeom prst="rect">
             <a:avLst/>
@@ -2640,8 +3199,9 @@
             </a:lvl1pPr>
           </a:lstStyle>
           <a:p>
-            <a:fld id="{D1619132-FBE1-4FE2-85EE-C5AB83B8508F}" type="slidenum">
-              <a:rPr lang="ko-KR" altLang="en-US" smtClean="0"/>
+            <a:fld id="{1B19CCBE-0262-4DC6-9DDB-189B914AF929}" type="slidenum">
+              <a:rPr lang="ko-KR" altLang="en-US" smtClean="0"/>
+              <a:pPr/>
               <a:t>‹#›</a:t>
             </a:fld>
             <a:endParaRPr lang="ko-KR" altLang="en-US"/>
@@ -2649,11 +3209,6 @@
         </p:txBody>
       </p:sp>
     </p:spTree>
-    <p:extLst>
-      <p:ext uri="{BB962C8B-B14F-4D97-AF65-F5344CB8AC3E}">
-        <p14:creationId xmlns:p14="http://schemas.microsoft.com/office/powerpoint/2010/main" val="3677689929"/>
-      </p:ext>
-    </p:extLst>
   </p:cSld>
   <p:clrMap bg1="lt1" tx1="dk1" bg2="lt2" tx2="dk2" accent1="accent1" accent2="accent2" accent3="accent3" accent4="accent4" accent5="accent5" accent6="accent6" hlink="hlink" folHlink="folHlink"/>
   <p:sldLayoutIdLst>
@@ -2671,10 +3226,7 @@
   </p:sldLayoutIdLst>
   <p:txStyles>
     <p:titleStyle>
-      <a:lvl1pPr algn="l" defTabSz="914400" rtl="0" eaLnBrk="1" latinLnBrk="1" hangingPunct="1">
-        <a:lnSpc>
-          <a:spcPct val="90000"/>
-        </a:lnSpc>
+      <a:lvl1pPr algn="ctr" defTabSz="914400" rtl="0" eaLnBrk="1" latinLnBrk="1" hangingPunct="1">
         <a:spcBef>
           <a:spcPct val="0"/>
         </a:spcBef>
@@ -2690,15 +3242,27 @@
       </a:lvl1pPr>
     </p:titleStyle>
     <p:bodyStyle>
-      <a:lvl1pPr marL="228600" indent="-228600" algn="l" defTabSz="914400" rtl="0" eaLnBrk="1" latinLnBrk="1" hangingPunct="1">
-        <a:lnSpc>
-          <a:spcPct val="90000"/>
-        </a:lnSpc>
+      <a:lvl1pPr marL="342900" indent="-342900" algn="l" defTabSz="914400" rtl="0" eaLnBrk="1" latinLnBrk="1" hangingPunct="1">
         <a:spcBef>
-          <a:spcPts val="1000"/>
+          <a:spcPct val="20000"/>
         </a:spcBef>
-        <a:buFont typeface="Arial" panose="020B0604020202020204" pitchFamily="34" charset="0"/>
+        <a:buFont typeface="Arial" pitchFamily="34" charset="0"/>
         <a:buChar char="•"/>
+        <a:defRPr sz="3200" kern="1200">
+          <a:solidFill>
+            <a:schemeClr val="tx1"/>
+          </a:solidFill>
+          <a:latin typeface="+mn-lt"/>
+          <a:ea typeface="+mn-ea"/>
+          <a:cs typeface="+mn-cs"/>
+        </a:defRPr>
+      </a:lvl1pPr>
+      <a:lvl2pPr marL="742950" indent="-285750" algn="l" defTabSz="914400" rtl="0" eaLnBrk="1" latinLnBrk="1" hangingPunct="1">
+        <a:spcBef>
+          <a:spcPct val="20000"/>
+        </a:spcBef>
+        <a:buFont typeface="Arial" pitchFamily="34" charset="0"/>
+        <a:buChar char="–"/>
         <a:defRPr sz="2800" kern="1200">
           <a:solidFill>
             <a:schemeClr val="tx1"/>
@@ -2707,15 +3271,12 @@
           <a:ea typeface="+mn-ea"/>
           <a:cs typeface="+mn-cs"/>
         </a:defRPr>
-      </a:lvl1pPr>
-      <a:lvl2pPr marL="685800" indent="-228600" algn="l" defTabSz="914400" rtl="0" eaLnBrk="1" latinLnBrk="1" hangingPunct="1">
-        <a:lnSpc>
-          <a:spcPct val="90000"/>
-        </a:lnSpc>
+      </a:lvl2pPr>
+      <a:lvl3pPr marL="1143000" indent="-228600" algn="l" defTabSz="914400" rtl="0" eaLnBrk="1" latinLnBrk="1" hangingPunct="1">
         <a:spcBef>
-          <a:spcPts val="500"/>
+          <a:spcPct val="20000"/>
         </a:spcBef>
-        <a:buFont typeface="Arial" panose="020B0604020202020204" pitchFamily="34" charset="0"/>
+        <a:buFont typeface="Arial" pitchFamily="34" charset="0"/>
         <a:buChar char="•"/>
         <a:defRPr sz="2400" kern="1200">
           <a:solidFill>
@@ -2725,15 +3286,42 @@
           <a:ea typeface="+mn-ea"/>
           <a:cs typeface="+mn-cs"/>
         </a:defRPr>
-      </a:lvl2pPr>
-      <a:lvl3pPr marL="1143000" indent="-228600" algn="l" defTabSz="914400" rtl="0" eaLnBrk="1" latinLnBrk="1" hangingPunct="1">
-        <a:lnSpc>
-          <a:spcPct val="90000"/>
-        </a:lnSpc>
+      </a:lvl3pPr>
+      <a:lvl4pPr marL="1600200" indent="-228600" algn="l" defTabSz="914400" rtl="0" eaLnBrk="1" latinLnBrk="1" hangingPunct="1">
         <a:spcBef>
-          <a:spcPts val="500"/>
+          <a:spcPct val="20000"/>
         </a:spcBef>
-        <a:buFont typeface="Arial" panose="020B0604020202020204" pitchFamily="34" charset="0"/>
+        <a:buFont typeface="Arial" pitchFamily="34" charset="0"/>
+        <a:buChar char="–"/>
+        <a:defRPr sz="2000" kern="1200">
+          <a:solidFill>
+            <a:schemeClr val="tx1"/>
+          </a:solidFill>
+          <a:latin typeface="+mn-lt"/>
+          <a:ea typeface="+mn-ea"/>
+          <a:cs typeface="+mn-cs"/>
+        </a:defRPr>
+      </a:lvl4pPr>
+      <a:lvl5pPr marL="2057400" indent="-228600" algn="l" defTabSz="914400" rtl="0" eaLnBrk="1" latinLnBrk="1" hangingPunct="1">
+        <a:spcBef>
+          <a:spcPct val="20000"/>
+        </a:spcBef>
+        <a:buFont typeface="Arial" pitchFamily="34" charset="0"/>
+        <a:buChar char="»"/>
+        <a:defRPr sz="2000" kern="1200">
+          <a:solidFill>
+            <a:schemeClr val="tx1"/>
+          </a:solidFill>
+          <a:latin typeface="+mn-lt"/>
+          <a:ea typeface="+mn-ea"/>
+          <a:cs typeface="+mn-cs"/>
+        </a:defRPr>
+      </a:lvl5pPr>
+      <a:lvl6pPr marL="2514600" indent="-228600" algn="l" defTabSz="914400" rtl="0" eaLnBrk="1" latinLnBrk="1" hangingPunct="1">
+        <a:spcBef>
+          <a:spcPct val="20000"/>
+        </a:spcBef>
+        <a:buFont typeface="Arial" pitchFamily="34" charset="0"/>
         <a:buChar char="•"/>
         <a:defRPr sz="2000" kern="1200">
           <a:solidFill>
@@ -2743,71 +3331,14 @@
           <a:ea typeface="+mn-ea"/>
           <a:cs typeface="+mn-cs"/>
         </a:defRPr>
-      </a:lvl3pPr>
-      <a:lvl4pPr marL="1600200" indent="-228600" algn="l" defTabSz="914400" rtl="0" eaLnBrk="1" latinLnBrk="1" hangingPunct="1">
-        <a:lnSpc>
-          <a:spcPct val="90000"/>
-        </a:lnSpc>
-        <a:spcBef>
-          <a:spcPts val="500"/>
-        </a:spcBef>
-        <a:buFont typeface="Arial" panose="020B0604020202020204" pitchFamily="34" charset="0"/>
-        <a:buChar char="•"/>
-        <a:defRPr sz="1800" kern="1200">
-          <a:solidFill>
-            <a:schemeClr val="tx1"/>
-          </a:solidFill>
-          <a:latin typeface="+mn-lt"/>
-          <a:ea typeface="+mn-ea"/>
-          <a:cs typeface="+mn-cs"/>
-        </a:defRPr>
-      </a:lvl4pPr>
-      <a:lvl5pPr marL="2057400" indent="-228600" algn="l" defTabSz="914400" rtl="0" eaLnBrk="1" latinLnBrk="1" hangingPunct="1">
-        <a:lnSpc>
-          <a:spcPct val="90000"/>
-        </a:lnSpc>
-        <a:spcBef>
-          <a:spcPts val="500"/>
-        </a:spcBef>
-        <a:buFont typeface="Arial" panose="020B0604020202020204" pitchFamily="34" charset="0"/>
-        <a:buChar char="•"/>
-        <a:defRPr sz="1800" kern="1200">
-          <a:solidFill>
-            <a:schemeClr val="tx1"/>
-          </a:solidFill>
-          <a:latin typeface="+mn-lt"/>
-          <a:ea typeface="+mn-ea"/>
-          <a:cs typeface="+mn-cs"/>
-        </a:defRPr>
-      </a:lvl5pPr>
-      <a:lvl6pPr marL="2514600" indent="-228600" algn="l" defTabSz="914400" rtl="0" eaLnBrk="1" latinLnBrk="1" hangingPunct="1">
-        <a:lnSpc>
-          <a:spcPct val="90000"/>
-        </a:lnSpc>
-        <a:spcBef>
-          <a:spcPts val="500"/>
-        </a:spcBef>
-        <a:buFont typeface="Arial" panose="020B0604020202020204" pitchFamily="34" charset="0"/>
-        <a:buChar char="•"/>
-        <a:defRPr sz="1800" kern="1200">
-          <a:solidFill>
-            <a:schemeClr val="tx1"/>
-          </a:solidFill>
-          <a:latin typeface="+mn-lt"/>
-          <a:ea typeface="+mn-ea"/>
-          <a:cs typeface="+mn-cs"/>
-        </a:defRPr>
       </a:lvl6pPr>
       <a:lvl7pPr marL="2971800" indent="-228600" algn="l" defTabSz="914400" rtl="0" eaLnBrk="1" latinLnBrk="1" hangingPunct="1">
-        <a:lnSpc>
-          <a:spcPct val="90000"/>
-        </a:lnSpc>
         <a:spcBef>
-          <a:spcPts val="500"/>
+          <a:spcPct val="20000"/>
         </a:spcBef>
-        <a:buFont typeface="Arial" panose="020B0604020202020204" pitchFamily="34" charset="0"/>
+        <a:buFont typeface="Arial" pitchFamily="34" charset="0"/>
         <a:buChar char="•"/>
-        <a:defRPr sz="1800" kern="1200">
+        <a:defRPr sz="2000" kern="1200">
           <a:solidFill>
             <a:schemeClr val="tx1"/>
           </a:solidFill>
@@ -2817,15 +3348,12 @@
         </a:defRPr>
       </a:lvl7pPr>
       <a:lvl8pPr marL="3429000" indent="-228600" algn="l" defTabSz="914400" rtl="0" eaLnBrk="1" latinLnBrk="1" hangingPunct="1">
-        <a:lnSpc>
-          <a:spcPct val="90000"/>
-        </a:lnSpc>
         <a:spcBef>
-          <a:spcPts val="500"/>
+          <a:spcPct val="20000"/>
         </a:spcBef>
-        <a:buFont typeface="Arial" panose="020B0604020202020204" pitchFamily="34" charset="0"/>
+        <a:buFont typeface="Arial" pitchFamily="34" charset="0"/>
         <a:buChar char="•"/>
-        <a:defRPr sz="1800" kern="1200">
+        <a:defRPr sz="2000" kern="1200">
           <a:solidFill>
             <a:schemeClr val="tx1"/>
           </a:solidFill>
@@ -2835,15 +3363,12 @@
         </a:defRPr>
       </a:lvl8pPr>
       <a:lvl9pPr marL="3886200" indent="-228600" algn="l" defTabSz="914400" rtl="0" eaLnBrk="1" latinLnBrk="1" hangingPunct="1">
-        <a:lnSpc>
-          <a:spcPct val="90000"/>
-        </a:lnSpc>
         <a:spcBef>
-          <a:spcPts val="500"/>
+          <a:spcPct val="20000"/>
         </a:spcBef>
-        <a:buFont typeface="Arial" panose="020B0604020202020204" pitchFamily="34" charset="0"/>
+        <a:buFont typeface="Arial" pitchFamily="34" charset="0"/>
         <a:buChar char="•"/>
-        <a:defRPr sz="1800" kern="1200">
+        <a:defRPr sz="2000" kern="1200">
           <a:solidFill>
             <a:schemeClr val="tx1"/>
           </a:solidFill>
@@ -2969,179 +3494,29 @@
           <a:chExt cx="0" cy="0"/>
         </a:xfrm>
       </p:grpSpPr>
-      <p:cxnSp>
-        <p:nvCxnSpPr>
-          <p:cNvPr id="53" name="직선 화살표 연결선 52"/>
-          <p:cNvCxnSpPr>
-            <a:stCxn id="14" idx="3"/>
-          </p:cNvCxnSpPr>
+      <p:sp>
+        <p:nvSpPr>
+          <p:cNvPr id="4" name="직사각형 3"/>
+          <p:cNvSpPr/>
           <p:nvPr/>
-        </p:nvCxnSpPr>
+        </p:nvSpPr>
         <p:spPr>
           <a:xfrm>
-            <a:off x="2814034" y="3588011"/>
-            <a:ext cx="2002125" cy="5959"/>
-          </a:xfrm>
-          <a:prstGeom prst="straightConnector1">
-            <a:avLst/>
-          </a:prstGeom>
-          <a:ln w="22225">
-            <a:solidFill>
-              <a:schemeClr val="tx1"/>
-            </a:solidFill>
-            <a:tailEnd type="none"/>
-          </a:ln>
-        </p:spPr>
-        <p:style>
-          <a:lnRef idx="1">
-            <a:schemeClr val="accent1"/>
-          </a:lnRef>
-          <a:fillRef idx="0">
-            <a:schemeClr val="accent1"/>
-          </a:fillRef>
-          <a:effectRef idx="0">
-            <a:schemeClr val="accent1"/>
-          </a:effectRef>
-          <a:fontRef idx="minor">
-            <a:schemeClr val="tx1"/>
-          </a:fontRef>
-        </p:style>
-      </p:cxnSp>
-      <p:sp>
-        <p:nvSpPr>
-          <p:cNvPr id="4" name="모서리가 둥근 직사각형 3"/>
-          <p:cNvSpPr/>
-          <p:nvPr/>
-        </p:nvSpPr>
-        <p:spPr>
-          <a:xfrm>
-            <a:off x="283336" y="1373884"/>
-            <a:ext cx="2730320" cy="4795096"/>
-          </a:xfrm>
-          <a:prstGeom prst="roundRect">
-            <a:avLst/>
-          </a:prstGeom>
-          <a:noFill/>
-        </p:spPr>
-        <p:style>
-          <a:lnRef idx="2">
-            <a:schemeClr val="accent1">
-              <a:shade val="50000"/>
-            </a:schemeClr>
-          </a:lnRef>
-          <a:fillRef idx="1">
-            <a:schemeClr val="accent1"/>
-          </a:fillRef>
-          <a:effectRef idx="0">
-            <a:schemeClr val="accent1"/>
-          </a:effectRef>
-          <a:fontRef idx="minor">
-            <a:schemeClr val="lt1"/>
-          </a:fontRef>
-        </p:style>
-        <p:txBody>
-          <a:bodyPr rtlCol="0" anchor="ctr"/>
-          <a:lstStyle/>
-          <a:p>
-            <a:pPr algn="ctr"/>
-            <a:endParaRPr lang="ko-KR" altLang="en-US"/>
-          </a:p>
-        </p:txBody>
-      </p:sp>
-      <p:sp>
-        <p:nvSpPr>
-          <p:cNvPr id="5" name="TextBox 4"/>
-          <p:cNvSpPr txBox="1"/>
-          <p:nvPr/>
-        </p:nvSpPr>
-        <p:spPr>
-          <a:xfrm>
-            <a:off x="1133342" y="1094705"/>
-            <a:ext cx="888643" cy="369332"/>
+            <a:off x="500034" y="571480"/>
+            <a:ext cx="3643338" cy="2428892"/>
           </a:xfrm>
           <a:prstGeom prst="rect">
             <a:avLst/>
           </a:prstGeom>
           <a:solidFill>
-            <a:schemeClr val="bg1"/>
-          </a:solidFill>
-        </p:spPr>
-        <p:txBody>
-          <a:bodyPr wrap="square" rtlCol="0">
-            <a:spAutoFit/>
-          </a:bodyPr>
-          <a:lstStyle/>
-          <a:p>
-            <a:r>
-              <a:rPr lang="en-US" altLang="ko-KR" u="sng" dirty="0" smtClean="0"/>
-              <a:t>Device</a:t>
-            </a:r>
-            <a:endParaRPr lang="ko-KR" altLang="en-US" u="sng" dirty="0"/>
-          </a:p>
-        </p:txBody>
-      </p:sp>
-      <p:sp>
-        <p:nvSpPr>
-          <p:cNvPr id="7" name="직사각형 6"/>
-          <p:cNvSpPr/>
-          <p:nvPr/>
-        </p:nvSpPr>
-        <p:spPr>
-          <a:xfrm>
-            <a:off x="482958" y="1743216"/>
-            <a:ext cx="2331076" cy="1390918"/>
-          </a:xfrm>
-          <a:prstGeom prst="rect">
-            <a:avLst/>
-          </a:prstGeom>
-          <a:solidFill>
-            <a:schemeClr val="bg1"/>
-          </a:solidFill>
-        </p:spPr>
-        <p:style>
-          <a:lnRef idx="2">
-            <a:schemeClr val="accent1">
-              <a:shade val="50000"/>
-            </a:schemeClr>
-          </a:lnRef>
-          <a:fillRef idx="1">
-            <a:schemeClr val="accent1"/>
-          </a:fillRef>
-          <a:effectRef idx="0">
-            <a:schemeClr val="accent1"/>
-          </a:effectRef>
-          <a:fontRef idx="minor">
-            <a:schemeClr val="lt1"/>
-          </a:fontRef>
-        </p:style>
-        <p:txBody>
-          <a:bodyPr rtlCol="0" anchor="ctr"/>
-          <a:lstStyle/>
-          <a:p>
-            <a:pPr algn="ctr"/>
-            <a:endParaRPr lang="ko-KR" altLang="en-US"/>
-          </a:p>
-        </p:txBody>
-      </p:sp>
-      <p:sp>
-        <p:nvSpPr>
-          <p:cNvPr id="8" name="직사각형 7"/>
-          <p:cNvSpPr/>
-          <p:nvPr/>
-        </p:nvSpPr>
-        <p:spPr>
-          <a:xfrm>
-            <a:off x="1159100" y="1596980"/>
-            <a:ext cx="862885" cy="215198"/>
-          </a:xfrm>
-          <a:prstGeom prst="rect">
-            <a:avLst/>
-          </a:prstGeom>
-          <a:solidFill>
-            <a:schemeClr val="bg1"/>
+            <a:schemeClr val="bg2"/>
           </a:solidFill>
           <a:ln>
-            <a:noFill/>
+            <a:solidFill>
+              <a:schemeClr val="tx2">
+                <a:lumMod val="50000"/>
+              </a:schemeClr>
+            </a:solidFill>
           </a:ln>
         </p:spPr>
         <p:style>
@@ -3166,14 +3541,14 @@
           <a:p>
             <a:pPr algn="ctr"/>
             <a:r>
-              <a:rPr lang="en-US" altLang="ko-KR" u="sng" dirty="0" smtClean="0">
+              <a:rPr lang="en-US" altLang="ko-KR" sz="2000" dirty="0" smtClean="0">
                 <a:solidFill>
                   <a:schemeClr val="tx1"/>
                 </a:solidFill>
               </a:rPr>
-              <a:t>sensor</a:t>
-            </a:r>
-            <a:endParaRPr lang="ko-KR" altLang="en-US" u="sng" dirty="0">
+              <a:t>Surface view</a:t>
+            </a:r>
+            <a:endParaRPr lang="ko-KR" altLang="en-US" sz="2000" dirty="0">
               <a:solidFill>
                 <a:schemeClr val="tx1"/>
               </a:solidFill>
@@ -3183,746 +3558,27 @@
       </p:sp>
       <p:sp>
         <p:nvSpPr>
-          <p:cNvPr id="11" name="모서리가 둥근 직사각형 10"/>
+          <p:cNvPr id="5" name="직사각형 4"/>
           <p:cNvSpPr/>
           <p:nvPr/>
         </p:nvSpPr>
         <p:spPr>
           <a:xfrm>
-            <a:off x="566670" y="1888380"/>
-            <a:ext cx="1217053" cy="293130"/>
-          </a:xfrm>
-          <a:prstGeom prst="roundRect">
-            <a:avLst/>
-          </a:prstGeom>
-          <a:solidFill>
-            <a:schemeClr val="bg1"/>
-          </a:solidFill>
-        </p:spPr>
-        <p:style>
-          <a:lnRef idx="2">
-            <a:schemeClr val="accent1">
-              <a:shade val="50000"/>
-            </a:schemeClr>
-          </a:lnRef>
-          <a:fillRef idx="1">
-            <a:schemeClr val="accent1"/>
-          </a:fillRef>
-          <a:effectRef idx="0">
-            <a:schemeClr val="accent1"/>
-          </a:effectRef>
-          <a:fontRef idx="minor">
-            <a:schemeClr val="lt1"/>
-          </a:fontRef>
-        </p:style>
-        <p:txBody>
-          <a:bodyPr rtlCol="0" anchor="ctr"/>
-          <a:lstStyle/>
-          <a:p>
-            <a:pPr algn="ctr"/>
-            <a:endParaRPr lang="ko-KR" altLang="en-US"/>
-          </a:p>
-        </p:txBody>
-      </p:sp>
-      <p:sp>
-        <p:nvSpPr>
-          <p:cNvPr id="12" name="모서리가 둥근 직사각형 11"/>
-          <p:cNvSpPr/>
-          <p:nvPr/>
-        </p:nvSpPr>
-        <p:spPr>
-          <a:xfrm>
-            <a:off x="550573" y="2292110"/>
-            <a:ext cx="1217053" cy="293130"/>
-          </a:xfrm>
-          <a:prstGeom prst="roundRect">
-            <a:avLst/>
-          </a:prstGeom>
-          <a:solidFill>
-            <a:schemeClr val="bg1"/>
-          </a:solidFill>
-        </p:spPr>
-        <p:style>
-          <a:lnRef idx="2">
-            <a:schemeClr val="accent1">
-              <a:shade val="50000"/>
-            </a:schemeClr>
-          </a:lnRef>
-          <a:fillRef idx="1">
-            <a:schemeClr val="accent1"/>
-          </a:fillRef>
-          <a:effectRef idx="0">
-            <a:schemeClr val="accent1"/>
-          </a:effectRef>
-          <a:fontRef idx="minor">
-            <a:schemeClr val="lt1"/>
-          </a:fontRef>
-        </p:style>
-        <p:txBody>
-          <a:bodyPr rtlCol="0" anchor="ctr"/>
-          <a:lstStyle/>
-          <a:p>
-            <a:pPr algn="ctr"/>
-            <a:endParaRPr lang="ko-KR" altLang="en-US"/>
-          </a:p>
-        </p:txBody>
-      </p:sp>
-      <p:sp>
-        <p:nvSpPr>
-          <p:cNvPr id="13" name="모서리가 둥근 직사각형 12"/>
-          <p:cNvSpPr/>
-          <p:nvPr/>
-        </p:nvSpPr>
-        <p:spPr>
-          <a:xfrm>
-            <a:off x="550573" y="2730463"/>
-            <a:ext cx="1217053" cy="293130"/>
-          </a:xfrm>
-          <a:prstGeom prst="roundRect">
-            <a:avLst/>
-          </a:prstGeom>
-          <a:solidFill>
-            <a:schemeClr val="bg1"/>
-          </a:solidFill>
-        </p:spPr>
-        <p:style>
-          <a:lnRef idx="2">
-            <a:schemeClr val="accent1">
-              <a:shade val="50000"/>
-            </a:schemeClr>
-          </a:lnRef>
-          <a:fillRef idx="1">
-            <a:schemeClr val="accent1"/>
-          </a:fillRef>
-          <a:effectRef idx="0">
-            <a:schemeClr val="accent1"/>
-          </a:effectRef>
-          <a:fontRef idx="minor">
-            <a:schemeClr val="lt1"/>
-          </a:fontRef>
-        </p:style>
-        <p:txBody>
-          <a:bodyPr rtlCol="0" anchor="ctr"/>
-          <a:lstStyle/>
-          <a:p>
-            <a:pPr algn="ctr"/>
-            <a:endParaRPr lang="ko-KR" altLang="en-US"/>
-          </a:p>
-        </p:txBody>
-      </p:sp>
-      <p:sp>
-        <p:nvSpPr>
-          <p:cNvPr id="9" name="TextBox 8"/>
-          <p:cNvSpPr txBox="1"/>
-          <p:nvPr/>
-        </p:nvSpPr>
-        <p:spPr>
-          <a:xfrm>
-            <a:off x="566670" y="1892536"/>
-            <a:ext cx="1674254" cy="1169551"/>
-          </a:xfrm>
-          <a:prstGeom prst="rect">
-            <a:avLst/>
-          </a:prstGeom>
-          <a:noFill/>
-        </p:spPr>
-        <p:txBody>
-          <a:bodyPr wrap="square" rtlCol="0">
-            <a:spAutoFit/>
-          </a:bodyPr>
-          <a:lstStyle/>
-          <a:p>
-            <a:r>
-              <a:rPr lang="en-US" altLang="ko-KR" sz="1400" dirty="0" smtClean="0"/>
-              <a:t>GPS sensor</a:t>
-            </a:r>
-          </a:p>
-          <a:p>
-            <a:endParaRPr lang="en-US" altLang="ko-KR" sz="1400" dirty="0" smtClean="0"/>
-          </a:p>
-          <a:p>
-            <a:r>
-              <a:rPr lang="ko-KR" altLang="en-US" sz="1400" dirty="0" smtClean="0"/>
-              <a:t>  방향센서</a:t>
-            </a:r>
-            <a:endParaRPr lang="en-US" altLang="ko-KR" sz="1400" dirty="0" smtClean="0"/>
-          </a:p>
-          <a:p>
-            <a:endParaRPr lang="en-US" altLang="ko-KR" sz="1400" dirty="0" smtClean="0"/>
-          </a:p>
-          <a:p>
-            <a:r>
-              <a:rPr lang="ko-KR" altLang="en-US" sz="1400" dirty="0" smtClean="0"/>
-              <a:t> 가속도센서</a:t>
-            </a:r>
-            <a:endParaRPr lang="en-US" altLang="ko-KR" sz="1400" dirty="0"/>
-          </a:p>
-        </p:txBody>
-      </p:sp>
-      <p:sp>
-        <p:nvSpPr>
-          <p:cNvPr id="14" name="모서리가 둥근 직사각형 13"/>
-          <p:cNvSpPr/>
-          <p:nvPr/>
-        </p:nvSpPr>
-        <p:spPr>
-          <a:xfrm>
-            <a:off x="482958" y="3419546"/>
-            <a:ext cx="2331076" cy="336929"/>
-          </a:xfrm>
-          <a:prstGeom prst="roundRect">
-            <a:avLst/>
-          </a:prstGeom>
-          <a:solidFill>
-            <a:schemeClr val="bg1"/>
-          </a:solidFill>
-        </p:spPr>
-        <p:style>
-          <a:lnRef idx="2">
-            <a:schemeClr val="accent1">
-              <a:shade val="50000"/>
-            </a:schemeClr>
-          </a:lnRef>
-          <a:fillRef idx="1">
-            <a:schemeClr val="accent1"/>
-          </a:fillRef>
-          <a:effectRef idx="0">
-            <a:schemeClr val="accent1"/>
-          </a:effectRef>
-          <a:fontRef idx="minor">
-            <a:schemeClr val="lt1"/>
-          </a:fontRef>
-        </p:style>
-        <p:txBody>
-          <a:bodyPr rtlCol="0" anchor="ctr"/>
-          <a:lstStyle/>
-          <a:p>
-            <a:pPr algn="ctr"/>
-            <a:r>
-              <a:rPr lang="ko-KR" altLang="en-US" sz="1100" dirty="0" smtClean="0">
-                <a:solidFill>
-                  <a:schemeClr val="tx1"/>
-                </a:solidFill>
-              </a:rPr>
-              <a:t>센서 값을 각 변수에 저장</a:t>
-            </a:r>
-            <a:endParaRPr lang="ko-KR" altLang="en-US" sz="1100" dirty="0">
-              <a:solidFill>
-                <a:schemeClr val="tx1"/>
-              </a:solidFill>
-            </a:endParaRPr>
-          </a:p>
-        </p:txBody>
-      </p:sp>
-      <p:pic>
-        <p:nvPicPr>
-          <p:cNvPr id="15" name="그림 14"/>
-          <p:cNvPicPr>
-            <a:picLocks noChangeAspect="1"/>
-          </p:cNvPicPr>
-          <p:nvPr/>
-        </p:nvPicPr>
-        <p:blipFill>
-          <a:blip r:embed="rId2" cstate="print">
-            <a:clrChange>
-              <a:clrFrom>
-                <a:srgbClr val="FBFBFB"/>
-              </a:clrFrom>
-              <a:clrTo>
-                <a:srgbClr val="FBFBFB">
-                  <a:alpha val="0"/>
-                </a:srgbClr>
-              </a:clrTo>
-            </a:clrChange>
-            <a:extLst>
-              <a:ext uri="{28A0092B-C50C-407E-A947-70E740481C1C}">
-                <a14:useLocalDpi xmlns:a14="http://schemas.microsoft.com/office/drawing/2010/main" val="0"/>
-              </a:ext>
-            </a:extLst>
-          </a:blip>
-          <a:stretch>
-            <a:fillRect/>
-          </a:stretch>
-        </p:blipFill>
-        <p:spPr>
-          <a:xfrm>
-            <a:off x="5448940" y="222944"/>
-            <a:ext cx="772665" cy="1241093"/>
-          </a:xfrm>
-          <a:prstGeom prst="rect">
-            <a:avLst/>
-          </a:prstGeom>
-        </p:spPr>
-      </p:pic>
-      <p:cxnSp>
-        <p:nvCxnSpPr>
-          <p:cNvPr id="17" name="꺾인 연결선 16"/>
-          <p:cNvCxnSpPr>
-            <a:endCxn id="15" idx="1"/>
-          </p:cNvCxnSpPr>
-          <p:nvPr/>
-        </p:nvCxnSpPr>
-        <p:spPr>
-          <a:xfrm flipV="1">
-            <a:off x="1783723" y="843491"/>
-            <a:ext cx="3665217" cy="1139940"/>
-          </a:xfrm>
-          <a:prstGeom prst="bentConnector3">
-            <a:avLst/>
-          </a:prstGeom>
-          <a:ln w="22225">
-            <a:tailEnd type="triangle"/>
-          </a:ln>
-        </p:spPr>
-        <p:style>
-          <a:lnRef idx="1">
-            <a:schemeClr val="dk1"/>
-          </a:lnRef>
-          <a:fillRef idx="0">
-            <a:schemeClr val="dk1"/>
-          </a:fillRef>
-          <a:effectRef idx="0">
-            <a:schemeClr val="dk1"/>
-          </a:effectRef>
-          <a:fontRef idx="minor">
-            <a:schemeClr val="tx1"/>
-          </a:fontRef>
-        </p:style>
-      </p:cxnSp>
-      <p:sp>
-        <p:nvSpPr>
-          <p:cNvPr id="18" name="TextBox 17"/>
-          <p:cNvSpPr txBox="1"/>
-          <p:nvPr/>
-        </p:nvSpPr>
-        <p:spPr>
-          <a:xfrm>
-            <a:off x="3486195" y="439030"/>
-            <a:ext cx="1529366" cy="307777"/>
-          </a:xfrm>
-          <a:prstGeom prst="rect">
-            <a:avLst/>
-          </a:prstGeom>
-          <a:noFill/>
-        </p:spPr>
-        <p:txBody>
-          <a:bodyPr wrap="square" rtlCol="0">
-            <a:spAutoFit/>
-          </a:bodyPr>
-          <a:lstStyle/>
-          <a:p>
-            <a:r>
-              <a:rPr lang="en-US" altLang="ko-KR" sz="1400" dirty="0" smtClean="0"/>
-              <a:t>GPS </a:t>
-            </a:r>
-            <a:r>
-              <a:rPr lang="ko-KR" altLang="en-US" sz="1400" dirty="0" smtClean="0"/>
-              <a:t>정보 요청</a:t>
-            </a:r>
-            <a:endParaRPr lang="ko-KR" altLang="en-US" sz="1400" dirty="0"/>
-          </a:p>
-        </p:txBody>
-      </p:sp>
-      <p:pic>
-        <p:nvPicPr>
-          <p:cNvPr id="19" name="그림 18"/>
-          <p:cNvPicPr>
-            <a:picLocks noChangeAspect="1"/>
-          </p:cNvPicPr>
-          <p:nvPr/>
-        </p:nvPicPr>
-        <p:blipFill>
-          <a:blip r:embed="rId3" cstate="print">
-            <a:clrChange>
-              <a:clrFrom>
-                <a:srgbClr val="FEF5EC"/>
-              </a:clrFrom>
-              <a:clrTo>
-                <a:srgbClr val="FEF5EC">
-                  <a:alpha val="0"/>
-                </a:srgbClr>
-              </a:clrTo>
-            </a:clrChange>
-            <a:extLst>
-              <a:ext uri="{28A0092B-C50C-407E-A947-70E740481C1C}">
-                <a14:useLocalDpi xmlns:a14="http://schemas.microsoft.com/office/drawing/2010/main" val="0"/>
-              </a:ext>
-            </a:extLst>
-          </a:blip>
-          <a:stretch>
-            <a:fillRect/>
-          </a:stretch>
-        </p:blipFill>
-        <p:spPr>
-          <a:xfrm>
-            <a:off x="8722582" y="214351"/>
-            <a:ext cx="1305976" cy="1305976"/>
-          </a:xfrm>
-          <a:prstGeom prst="rect">
-            <a:avLst/>
-          </a:prstGeom>
-        </p:spPr>
-      </p:pic>
-      <p:sp>
-        <p:nvSpPr>
-          <p:cNvPr id="21" name="TextBox 20"/>
-          <p:cNvSpPr txBox="1"/>
-          <p:nvPr/>
-        </p:nvSpPr>
-        <p:spPr>
-          <a:xfrm>
-            <a:off x="5514633" y="1487309"/>
-            <a:ext cx="788076" cy="307777"/>
-          </a:xfrm>
-          <a:prstGeom prst="rect">
-            <a:avLst/>
-          </a:prstGeom>
-          <a:noFill/>
-        </p:spPr>
-        <p:txBody>
-          <a:bodyPr wrap="square" rtlCol="0">
-            <a:spAutoFit/>
-          </a:bodyPr>
-          <a:lstStyle/>
-          <a:p>
-            <a:r>
-              <a:rPr lang="ko-KR" altLang="en-US" sz="1400" u="sng" dirty="0" smtClean="0"/>
-              <a:t>기지국</a:t>
-            </a:r>
-            <a:endParaRPr lang="ko-KR" altLang="en-US" sz="1400" u="sng" dirty="0"/>
-          </a:p>
-        </p:txBody>
-      </p:sp>
-      <p:sp>
-        <p:nvSpPr>
-          <p:cNvPr id="22" name="TextBox 21"/>
-          <p:cNvSpPr txBox="1"/>
-          <p:nvPr/>
-        </p:nvSpPr>
-        <p:spPr>
-          <a:xfrm>
-            <a:off x="9457787" y="206360"/>
-            <a:ext cx="788076" cy="307777"/>
-          </a:xfrm>
-          <a:prstGeom prst="rect">
-            <a:avLst/>
-          </a:prstGeom>
-          <a:noFill/>
-        </p:spPr>
-        <p:txBody>
-          <a:bodyPr wrap="square" rtlCol="0">
-            <a:spAutoFit/>
-          </a:bodyPr>
-          <a:lstStyle/>
-          <a:p>
-            <a:r>
-              <a:rPr lang="ko-KR" altLang="en-US" sz="1400" u="sng" dirty="0" smtClean="0"/>
-              <a:t>위성</a:t>
-            </a:r>
-            <a:endParaRPr lang="ko-KR" altLang="en-US" sz="1400" u="sng" dirty="0"/>
-          </a:p>
-        </p:txBody>
-      </p:sp>
-      <p:cxnSp>
-        <p:nvCxnSpPr>
-          <p:cNvPr id="24" name="직선 화살표 연결선 23"/>
-          <p:cNvCxnSpPr/>
-          <p:nvPr/>
-        </p:nvCxnSpPr>
-        <p:spPr>
-          <a:xfrm>
-            <a:off x="6370423" y="867169"/>
-            <a:ext cx="2107949" cy="0"/>
-          </a:xfrm>
-          <a:prstGeom prst="straightConnector1">
-            <a:avLst/>
-          </a:prstGeom>
-          <a:ln w="22225">
-            <a:tailEnd type="triangle"/>
-          </a:ln>
-        </p:spPr>
-        <p:style>
-          <a:lnRef idx="1">
-            <a:schemeClr val="dk1"/>
-          </a:lnRef>
-          <a:fillRef idx="0">
-            <a:schemeClr val="dk1"/>
-          </a:fillRef>
-          <a:effectRef idx="0">
-            <a:schemeClr val="dk1"/>
-          </a:effectRef>
-          <a:fontRef idx="minor">
-            <a:schemeClr val="tx1"/>
-          </a:fontRef>
-        </p:style>
-      </p:cxnSp>
-      <p:sp>
-        <p:nvSpPr>
-          <p:cNvPr id="28" name="TextBox 27"/>
-          <p:cNvSpPr txBox="1"/>
-          <p:nvPr/>
-        </p:nvSpPr>
-        <p:spPr>
-          <a:xfrm>
-            <a:off x="6823956" y="444216"/>
-            <a:ext cx="1529366" cy="307777"/>
-          </a:xfrm>
-          <a:prstGeom prst="rect">
-            <a:avLst/>
-          </a:prstGeom>
-          <a:noFill/>
-        </p:spPr>
-        <p:txBody>
-          <a:bodyPr wrap="square" rtlCol="0">
-            <a:spAutoFit/>
-          </a:bodyPr>
-          <a:lstStyle/>
-          <a:p>
-            <a:r>
-              <a:rPr lang="en-US" altLang="ko-KR" sz="1400" dirty="0" smtClean="0"/>
-              <a:t>GPS </a:t>
-            </a:r>
-            <a:r>
-              <a:rPr lang="ko-KR" altLang="en-US" sz="1400" dirty="0" smtClean="0"/>
-              <a:t>정보 요청</a:t>
-            </a:r>
-            <a:endParaRPr lang="ko-KR" altLang="en-US" sz="1400" dirty="0"/>
-          </a:p>
-        </p:txBody>
-      </p:sp>
-      <p:cxnSp>
-        <p:nvCxnSpPr>
-          <p:cNvPr id="31" name="직선 화살표 연결선 30"/>
-          <p:cNvCxnSpPr/>
-          <p:nvPr/>
-        </p:nvCxnSpPr>
-        <p:spPr>
-          <a:xfrm>
-            <a:off x="6381154" y="1019569"/>
-            <a:ext cx="2107949" cy="0"/>
-          </a:xfrm>
-          <a:prstGeom prst="straightConnector1">
-            <a:avLst/>
-          </a:prstGeom>
-          <a:ln w="22225">
-            <a:headEnd type="triangle"/>
-            <a:tailEnd type="none"/>
-          </a:ln>
-        </p:spPr>
-        <p:style>
-          <a:lnRef idx="1">
-            <a:schemeClr val="dk1"/>
-          </a:lnRef>
-          <a:fillRef idx="0">
-            <a:schemeClr val="dk1"/>
-          </a:fillRef>
-          <a:effectRef idx="0">
-            <a:schemeClr val="dk1"/>
-          </a:effectRef>
-          <a:fontRef idx="minor">
-            <a:schemeClr val="tx1"/>
-          </a:fontRef>
-        </p:style>
-      </p:cxnSp>
-      <p:sp>
-        <p:nvSpPr>
-          <p:cNvPr id="32" name="TextBox 31"/>
-          <p:cNvSpPr txBox="1"/>
-          <p:nvPr/>
-        </p:nvSpPr>
-        <p:spPr>
-          <a:xfrm>
-            <a:off x="6912845" y="1066107"/>
-            <a:ext cx="1529366" cy="307777"/>
-          </a:xfrm>
-          <a:prstGeom prst="rect">
-            <a:avLst/>
-          </a:prstGeom>
-          <a:noFill/>
-        </p:spPr>
-        <p:txBody>
-          <a:bodyPr wrap="square" rtlCol="0">
-            <a:spAutoFit/>
-          </a:bodyPr>
-          <a:lstStyle/>
-          <a:p>
-            <a:r>
-              <a:rPr lang="en-US" altLang="ko-KR" sz="1400" dirty="0" smtClean="0"/>
-              <a:t>GPS </a:t>
-            </a:r>
-            <a:r>
-              <a:rPr lang="ko-KR" altLang="en-US" sz="1400" dirty="0" smtClean="0"/>
-              <a:t>정보 제공</a:t>
-            </a:r>
-            <a:endParaRPr lang="ko-KR" altLang="en-US" sz="1400" dirty="0"/>
-          </a:p>
-        </p:txBody>
-      </p:sp>
-      <p:sp>
-        <p:nvSpPr>
-          <p:cNvPr id="33" name="TextBox 32"/>
-          <p:cNvSpPr txBox="1"/>
-          <p:nvPr/>
-        </p:nvSpPr>
-        <p:spPr>
-          <a:xfrm>
-            <a:off x="3864835" y="1101812"/>
-            <a:ext cx="1529366" cy="307777"/>
-          </a:xfrm>
-          <a:prstGeom prst="rect">
-            <a:avLst/>
-          </a:prstGeom>
-          <a:noFill/>
-        </p:spPr>
-        <p:txBody>
-          <a:bodyPr wrap="square" rtlCol="0">
-            <a:spAutoFit/>
-          </a:bodyPr>
-          <a:lstStyle/>
-          <a:p>
-            <a:r>
-              <a:rPr lang="en-US" altLang="ko-KR" sz="1400" dirty="0" smtClean="0"/>
-              <a:t>GPS </a:t>
-            </a:r>
-            <a:r>
-              <a:rPr lang="ko-KR" altLang="en-US" sz="1400" dirty="0" smtClean="0"/>
-              <a:t>정보 제공</a:t>
-            </a:r>
-            <a:endParaRPr lang="ko-KR" altLang="en-US" sz="1400" dirty="0"/>
-          </a:p>
-        </p:txBody>
-      </p:sp>
-      <p:cxnSp>
-        <p:nvCxnSpPr>
-          <p:cNvPr id="37" name="꺾인 연결선 36"/>
-          <p:cNvCxnSpPr/>
-          <p:nvPr/>
-        </p:nvCxnSpPr>
-        <p:spPr>
-          <a:xfrm rot="10800000" flipV="1">
-            <a:off x="1799820" y="1012873"/>
-            <a:ext cx="3686580" cy="1113263"/>
-          </a:xfrm>
-          <a:prstGeom prst="bentConnector3">
-            <a:avLst>
-              <a:gd name="adj1" fmla="val 46184"/>
-            </a:avLst>
-          </a:prstGeom>
-          <a:ln w="22225">
-            <a:tailEnd type="triangle"/>
-          </a:ln>
-        </p:spPr>
-        <p:style>
-          <a:lnRef idx="1">
-            <a:schemeClr val="dk1"/>
-          </a:lnRef>
-          <a:fillRef idx="0">
-            <a:schemeClr val="dk1"/>
-          </a:fillRef>
-          <a:effectRef idx="0">
-            <a:schemeClr val="dk1"/>
-          </a:effectRef>
-          <a:fontRef idx="minor">
-            <a:schemeClr val="tx1"/>
-          </a:fontRef>
-        </p:style>
-      </p:cxnSp>
-      <p:cxnSp>
-        <p:nvCxnSpPr>
-          <p:cNvPr id="46" name="직선 화살표 연결선 45"/>
-          <p:cNvCxnSpPr>
-            <a:stCxn id="7" idx="2"/>
-            <a:endCxn id="14" idx="0"/>
-          </p:cNvCxnSpPr>
-          <p:nvPr/>
-        </p:nvCxnSpPr>
-        <p:spPr>
-          <a:xfrm>
-            <a:off x="1648496" y="3134134"/>
-            <a:ext cx="0" cy="285412"/>
-          </a:xfrm>
-          <a:prstGeom prst="straightConnector1">
-            <a:avLst/>
-          </a:prstGeom>
-          <a:ln w="22225">
-            <a:tailEnd type="triangle"/>
-          </a:ln>
-        </p:spPr>
-        <p:style>
-          <a:lnRef idx="1">
-            <a:schemeClr val="dk1"/>
-          </a:lnRef>
-          <a:fillRef idx="0">
-            <a:schemeClr val="dk1"/>
-          </a:fillRef>
-          <a:effectRef idx="0">
-            <a:schemeClr val="dk1"/>
-          </a:effectRef>
-          <a:fontRef idx="minor">
-            <a:schemeClr val="tx1"/>
-          </a:fontRef>
-        </p:style>
-      </p:cxnSp>
-      <p:sp>
-        <p:nvSpPr>
-          <p:cNvPr id="47" name="모서리가 둥근 직사각형 46"/>
-          <p:cNvSpPr/>
-          <p:nvPr/>
-        </p:nvSpPr>
-        <p:spPr>
-          <a:xfrm>
-            <a:off x="4819797" y="2393952"/>
-            <a:ext cx="1711043" cy="2149650"/>
-          </a:xfrm>
-          <a:prstGeom prst="roundRect">
-            <a:avLst/>
-          </a:prstGeom>
-          <a:noFill/>
-        </p:spPr>
-        <p:style>
-          <a:lnRef idx="2">
-            <a:schemeClr val="accent1">
-              <a:shade val="50000"/>
-            </a:schemeClr>
-          </a:lnRef>
-          <a:fillRef idx="1">
-            <a:schemeClr val="accent1"/>
-          </a:fillRef>
-          <a:effectRef idx="0">
-            <a:schemeClr val="accent1"/>
-          </a:effectRef>
-          <a:fontRef idx="minor">
-            <a:schemeClr val="lt1"/>
-          </a:fontRef>
-        </p:style>
-        <p:txBody>
-          <a:bodyPr rtlCol="0" anchor="ctr"/>
-          <a:lstStyle/>
-          <a:p>
-            <a:pPr algn="ctr"/>
-            <a:endParaRPr lang="ko-KR" altLang="en-US"/>
-          </a:p>
-        </p:txBody>
-      </p:sp>
-      <p:sp>
-        <p:nvSpPr>
-          <p:cNvPr id="48" name="직사각형 47"/>
-          <p:cNvSpPr/>
-          <p:nvPr/>
-        </p:nvSpPr>
-        <p:spPr>
-          <a:xfrm>
-            <a:off x="5238654" y="2292110"/>
-            <a:ext cx="862885" cy="215198"/>
+            <a:off x="4929190" y="571480"/>
+            <a:ext cx="3643338" cy="2428892"/>
           </a:xfrm>
           <a:prstGeom prst="rect">
             <a:avLst/>
           </a:prstGeom>
           <a:solidFill>
-            <a:schemeClr val="bg1"/>
+            <a:schemeClr val="bg2"/>
           </a:solidFill>
           <a:ln>
-            <a:noFill/>
+            <a:solidFill>
+              <a:schemeClr val="tx2">
+                <a:lumMod val="50000"/>
+              </a:schemeClr>
+            </a:solidFill>
           </a:ln>
         </p:spPr>
         <p:style>
@@ -3946,82 +3602,33 @@
           <a:lstStyle/>
           <a:p>
             <a:pPr algn="ctr"/>
-            <a:r>
-              <a:rPr lang="en-US" altLang="ko-KR" u="sng" dirty="0" smtClean="0">
-                <a:solidFill>
-                  <a:schemeClr val="tx1"/>
-                </a:solidFill>
-              </a:rPr>
-              <a:t>Server</a:t>
-            </a:r>
-            <a:endParaRPr lang="ko-KR" altLang="en-US" u="sng" dirty="0">
-              <a:solidFill>
-                <a:schemeClr val="tx1"/>
-              </a:solidFill>
-            </a:endParaRPr>
-          </a:p>
-        </p:txBody>
-      </p:sp>
-      <p:sp>
-        <p:nvSpPr>
-          <p:cNvPr id="49" name="모서리가 둥근 직사각형 48"/>
+            <a:endParaRPr lang="ko-KR" altLang="en-US"/>
+          </a:p>
+        </p:txBody>
+      </p:sp>
+      <p:sp>
+        <p:nvSpPr>
+          <p:cNvPr id="6" name="직사각형 5"/>
           <p:cNvSpPr/>
           <p:nvPr/>
         </p:nvSpPr>
         <p:spPr>
           <a:xfrm>
-            <a:off x="8333343" y="1904243"/>
-            <a:ext cx="2084453" cy="2889682"/>
-          </a:xfrm>
-          <a:prstGeom prst="roundRect">
-            <a:avLst/>
-          </a:prstGeom>
-          <a:noFill/>
-        </p:spPr>
-        <p:style>
-          <a:lnRef idx="2">
-            <a:schemeClr val="accent1">
-              <a:shade val="50000"/>
-            </a:schemeClr>
-          </a:lnRef>
-          <a:fillRef idx="1">
-            <a:schemeClr val="accent1"/>
-          </a:fillRef>
-          <a:effectRef idx="0">
-            <a:schemeClr val="accent1"/>
-          </a:effectRef>
-          <a:fontRef idx="minor">
-            <a:schemeClr val="lt1"/>
-          </a:fontRef>
-        </p:style>
-        <p:txBody>
-          <a:bodyPr rtlCol="0" anchor="ctr"/>
-          <a:lstStyle/>
-          <a:p>
-            <a:pPr algn="ctr"/>
-            <a:endParaRPr lang="ko-KR" altLang="en-US"/>
-          </a:p>
-        </p:txBody>
-      </p:sp>
-      <p:sp>
-        <p:nvSpPr>
-          <p:cNvPr id="50" name="직사각형 49"/>
-          <p:cNvSpPr/>
-          <p:nvPr/>
-        </p:nvSpPr>
-        <p:spPr>
-          <a:xfrm>
-            <a:off x="8722582" y="1811729"/>
-            <a:ext cx="1305976" cy="171702"/>
+            <a:off x="2714612" y="3714752"/>
+            <a:ext cx="3643338" cy="2428892"/>
           </a:xfrm>
           <a:prstGeom prst="rect">
             <a:avLst/>
           </a:prstGeom>
           <a:solidFill>
-            <a:schemeClr val="bg1"/>
+            <a:schemeClr val="bg2"/>
           </a:solidFill>
           <a:ln>
-            <a:noFill/>
+            <a:solidFill>
+              <a:schemeClr val="tx2">
+                <a:lumMod val="50000"/>
+              </a:schemeClr>
+            </a:solidFill>
           </a:ln>
         </p:spPr>
         <p:style>
@@ -4045,15 +3652,72 @@
           <a:lstStyle/>
           <a:p>
             <a:pPr algn="ctr"/>
-            <a:r>
-              <a:rPr lang="en-US" altLang="ko-KR" u="sng" dirty="0" smtClean="0">
+            <a:endParaRPr lang="en-US" altLang="ko-KR" dirty="0" smtClean="0">
+              <a:solidFill>
+                <a:schemeClr val="tx1"/>
+              </a:solidFill>
+            </a:endParaRPr>
+          </a:p>
+        </p:txBody>
+      </p:sp>
+      <p:sp>
+        <p:nvSpPr>
+          <p:cNvPr id="7" name="직사각형 6"/>
+          <p:cNvSpPr/>
+          <p:nvPr/>
+        </p:nvSpPr>
+        <p:spPr>
+          <a:xfrm>
+            <a:off x="785786" y="2000240"/>
+            <a:ext cx="1428760" cy="714380"/>
+          </a:xfrm>
+          <a:prstGeom prst="rect">
+            <a:avLst/>
+          </a:prstGeom>
+          <a:solidFill>
+            <a:schemeClr val="tx2">
+              <a:lumMod val="20000"/>
+              <a:lumOff val="80000"/>
+            </a:schemeClr>
+          </a:solidFill>
+          <a:ln>
+            <a:solidFill>
+              <a:schemeClr val="accent2">
+                <a:lumMod val="75000"/>
+              </a:schemeClr>
+            </a:solidFill>
+          </a:ln>
+        </p:spPr>
+        <p:style>
+          <a:lnRef idx="2">
+            <a:schemeClr val="accent1">
+              <a:shade val="50000"/>
+            </a:schemeClr>
+          </a:lnRef>
+          <a:fillRef idx="1">
+            <a:schemeClr val="accent1"/>
+          </a:fillRef>
+          <a:effectRef idx="0">
+            <a:schemeClr val="accent1"/>
+          </a:effectRef>
+          <a:fontRef idx="minor">
+            <a:schemeClr val="lt1"/>
+          </a:fontRef>
+        </p:style>
+        <p:txBody>
+          <a:bodyPr rtlCol="0" anchor="ctr"/>
+          <a:lstStyle/>
+          <a:p>
+            <a:pPr algn="ctr"/>
+            <a:r>
+              <a:rPr lang="en-US" altLang="ko-KR" dirty="0" smtClean="0">
                 <a:solidFill>
                   <a:schemeClr val="tx1"/>
                 </a:solidFill>
               </a:rPr>
-              <a:t>API server</a:t>
-            </a:r>
-            <a:endParaRPr lang="ko-KR" altLang="en-US" u="sng" dirty="0">
+              <a:t>camera</a:t>
+            </a:r>
+            <a:endParaRPr lang="ko-KR" altLang="en-US" dirty="0">
               <a:solidFill>
                 <a:schemeClr val="tx1"/>
               </a:solidFill>
@@ -4061,25 +3725,90 @@
           </a:p>
         </p:txBody>
       </p:sp>
+      <p:sp>
+        <p:nvSpPr>
+          <p:cNvPr id="8" name="직사각형 7"/>
+          <p:cNvSpPr/>
+          <p:nvPr/>
+        </p:nvSpPr>
+        <p:spPr>
+          <a:xfrm>
+            <a:off x="2357422" y="2000240"/>
+            <a:ext cx="1428760" cy="714380"/>
+          </a:xfrm>
+          <a:prstGeom prst="rect">
+            <a:avLst/>
+          </a:prstGeom>
+          <a:solidFill>
+            <a:schemeClr val="tx2">
+              <a:lumMod val="20000"/>
+              <a:lumOff val="80000"/>
+            </a:schemeClr>
+          </a:solidFill>
+          <a:ln>
+            <a:solidFill>
+              <a:schemeClr val="accent2">
+                <a:lumMod val="75000"/>
+              </a:schemeClr>
+            </a:solidFill>
+          </a:ln>
+        </p:spPr>
+        <p:style>
+          <a:lnRef idx="2">
+            <a:schemeClr val="accent1">
+              <a:shade val="50000"/>
+            </a:schemeClr>
+          </a:lnRef>
+          <a:fillRef idx="1">
+            <a:schemeClr val="accent1"/>
+          </a:fillRef>
+          <a:effectRef idx="0">
+            <a:schemeClr val="accent1"/>
+          </a:effectRef>
+          <a:fontRef idx="minor">
+            <a:schemeClr val="lt1"/>
+          </a:fontRef>
+        </p:style>
+        <p:txBody>
+          <a:bodyPr rtlCol="0" anchor="ctr"/>
+          <a:lstStyle/>
+          <a:p>
+            <a:pPr algn="ctr"/>
+            <a:r>
+              <a:rPr lang="en-US" altLang="ko-KR" dirty="0" smtClean="0">
+                <a:solidFill>
+                  <a:schemeClr val="tx1"/>
+                </a:solidFill>
+              </a:rPr>
+              <a:t>Surface Holder</a:t>
+            </a:r>
+            <a:endParaRPr lang="ko-KR" altLang="en-US" dirty="0">
+              <a:solidFill>
+                <a:schemeClr val="tx1"/>
+              </a:solidFill>
+            </a:endParaRPr>
+          </a:p>
+        </p:txBody>
+      </p:sp>
       <p:cxnSp>
         <p:nvCxnSpPr>
-          <p:cNvPr id="56" name="직선 화살표 연결선 55"/>
+          <p:cNvPr id="10" name="직선 화살표 연결선 9"/>
           <p:cNvCxnSpPr/>
           <p:nvPr/>
         </p:nvCxnSpPr>
         <p:spPr>
           <a:xfrm>
-            <a:off x="6530840" y="3588011"/>
-            <a:ext cx="2191742" cy="0"/>
+            <a:off x="2000232" y="2214554"/>
+            <a:ext cx="571504" cy="1588"/>
           </a:xfrm>
           <a:prstGeom prst="straightConnector1">
             <a:avLst/>
           </a:prstGeom>
-          <a:ln w="22225">
+          <a:ln w="12700">
             <a:solidFill>
               <a:schemeClr val="tx1"/>
             </a:solidFill>
-            <a:tailEnd type="triangle"/>
+            <a:tailEnd type="arrow"/>
           </a:ln>
         </p:spPr>
         <p:style>
@@ -4099,23 +3828,23 @@
       </p:cxnSp>
       <p:cxnSp>
         <p:nvCxnSpPr>
-          <p:cNvPr id="58" name="직선 연결선 57"/>
+          <p:cNvPr id="11" name="직선 화살표 연결선 10"/>
           <p:cNvCxnSpPr/>
           <p:nvPr/>
         </p:nvCxnSpPr>
         <p:spPr>
-          <a:xfrm>
-            <a:off x="4816159" y="3588011"/>
-            <a:ext cx="1714681" cy="0"/>
+          <a:xfrm rot="10800000" flipV="1">
+            <a:off x="2000232" y="2500306"/>
+            <a:ext cx="571504" cy="11112"/>
           </a:xfrm>
-          <a:prstGeom prst="line">
+          <a:prstGeom prst="straightConnector1">
             <a:avLst/>
           </a:prstGeom>
-          <a:ln w="22225">
+          <a:ln w="12700">
             <a:solidFill>
               <a:schemeClr val="tx1"/>
             </a:solidFill>
-            <a:prstDash val="sysDash"/>
+            <a:tailEnd type="arrow"/>
           </a:ln>
         </p:spPr>
         <p:style>
@@ -4135,21 +3864,121 @@
       </p:cxnSp>
       <p:sp>
         <p:nvSpPr>
-          <p:cNvPr id="59" name="모서리가 둥근 직사각형 58"/>
+          <p:cNvPr id="15" name="TextBox 14"/>
+          <p:cNvSpPr txBox="1"/>
+          <p:nvPr/>
+        </p:nvSpPr>
+        <p:spPr>
+          <a:xfrm>
+            <a:off x="1071538" y="714356"/>
+            <a:ext cx="2544414" cy="461665"/>
+          </a:xfrm>
+          <a:prstGeom prst="rect">
+            <a:avLst/>
+          </a:prstGeom>
+          <a:noFill/>
+        </p:spPr>
+        <p:txBody>
+          <a:bodyPr wrap="none" rtlCol="0">
+            <a:spAutoFit/>
+          </a:bodyPr>
+          <a:lstStyle/>
+          <a:p>
+            <a:r>
+              <a:rPr lang="en-US" altLang="ko-KR" sz="2400" b="1" dirty="0" smtClean="0"/>
+              <a:t>Camera Preview</a:t>
+            </a:r>
+            <a:endParaRPr lang="ko-KR" altLang="en-US" sz="2400" b="1" dirty="0"/>
+          </a:p>
+        </p:txBody>
+      </p:sp>
+      <p:sp>
+        <p:nvSpPr>
+          <p:cNvPr id="16" name="TextBox 15"/>
+          <p:cNvSpPr txBox="1"/>
+          <p:nvPr/>
+        </p:nvSpPr>
+        <p:spPr>
+          <a:xfrm>
+            <a:off x="5500694" y="714356"/>
+            <a:ext cx="2504212" cy="461665"/>
+          </a:xfrm>
+          <a:prstGeom prst="rect">
+            <a:avLst/>
+          </a:prstGeom>
+          <a:noFill/>
+        </p:spPr>
+        <p:txBody>
+          <a:bodyPr wrap="none" rtlCol="0">
+            <a:spAutoFit/>
+          </a:bodyPr>
+          <a:lstStyle/>
+          <a:p>
+            <a:r>
+              <a:rPr lang="en-US" altLang="ko-KR" sz="2400" b="1" dirty="0" smtClean="0"/>
+              <a:t>Camera Activity</a:t>
+            </a:r>
+            <a:endParaRPr lang="ko-KR" altLang="en-US" sz="2400" b="1" dirty="0"/>
+          </a:p>
+        </p:txBody>
+      </p:sp>
+      <p:sp>
+        <p:nvSpPr>
+          <p:cNvPr id="17" name="TextBox 16"/>
+          <p:cNvSpPr txBox="1"/>
+          <p:nvPr/>
+        </p:nvSpPr>
+        <p:spPr>
+          <a:xfrm>
+            <a:off x="2857488" y="3857628"/>
+            <a:ext cx="3283143" cy="461665"/>
+          </a:xfrm>
+          <a:prstGeom prst="rect">
+            <a:avLst/>
+          </a:prstGeom>
+          <a:noFill/>
+        </p:spPr>
+        <p:txBody>
+          <a:bodyPr wrap="none" rtlCol="0">
+            <a:spAutoFit/>
+          </a:bodyPr>
+          <a:lstStyle/>
+          <a:p>
+            <a:r>
+              <a:rPr lang="en-US" altLang="ko-KR" sz="2400" b="1" dirty="0" smtClean="0"/>
+              <a:t>Camera Overlay view</a:t>
+            </a:r>
+            <a:endParaRPr lang="ko-KR" altLang="en-US" sz="2400" b="1" dirty="0"/>
+          </a:p>
+        </p:txBody>
+      </p:sp>
+      <p:sp>
+        <p:nvSpPr>
+          <p:cNvPr id="20" name="직사각형 19"/>
           <p:cNvSpPr/>
           <p:nvPr/>
         </p:nvSpPr>
         <p:spPr>
           <a:xfrm>
-            <a:off x="482958" y="3931410"/>
-            <a:ext cx="2331076" cy="396783"/>
+            <a:off x="5500694" y="2000240"/>
+            <a:ext cx="2428892" cy="428628"/>
           </a:xfrm>
-          <a:prstGeom prst="roundRect">
+          <a:prstGeom prst="rect">
             <a:avLst/>
           </a:prstGeom>
           <a:solidFill>
-            <a:schemeClr val="bg1"/>
+            <a:schemeClr val="tx2">
+              <a:lumMod val="20000"/>
+              <a:lumOff val="80000"/>
+            </a:schemeClr>
           </a:solidFill>
+          <a:ln>
+            <a:solidFill>
+              <a:schemeClr val="accent3">
+                <a:lumMod val="75000"/>
+              </a:schemeClr>
+            </a:solidFill>
+          </a:ln>
         </p:spPr>
         <p:style>
           <a:lnRef idx="2">
@@ -4173,256 +4002,48 @@
           <a:p>
             <a:pPr algn="ctr"/>
             <a:r>
-              <a:rPr lang="ko-KR" altLang="en-US" sz="1100" dirty="0" smtClean="0">
+              <a:rPr lang="en-US" altLang="ko-KR" dirty="0" smtClean="0">
                 <a:solidFill>
                   <a:schemeClr val="tx1"/>
                 </a:solidFill>
               </a:rPr>
-              <a:t>거리계산 값 변수에 저장</a:t>
-            </a:r>
-            <a:endParaRPr lang="en-US" altLang="ko-KR" sz="1100" dirty="0" smtClean="0">
+              <a:t>Camera overlay view</a:t>
+            </a:r>
+            <a:endParaRPr lang="ko-KR" altLang="en-US" dirty="0">
               <a:solidFill>
                 <a:schemeClr val="tx1"/>
               </a:solidFill>
             </a:endParaRPr>
           </a:p>
-          <a:p>
-            <a:pPr algn="ctr"/>
-            <a:r>
-              <a:rPr lang="en-US" altLang="ko-KR" sz="1100" dirty="0" smtClean="0">
-                <a:solidFill>
-                  <a:schemeClr val="tx1"/>
-                </a:solidFill>
-              </a:rPr>
-              <a:t>(</a:t>
-            </a:r>
-            <a:r>
-              <a:rPr lang="ko-KR" altLang="en-US" sz="1100" dirty="0" smtClean="0">
-                <a:solidFill>
-                  <a:schemeClr val="tx1"/>
-                </a:solidFill>
-              </a:rPr>
-              <a:t>남은 거리 값</a:t>
-            </a:r>
-            <a:r>
-              <a:rPr lang="en-US" altLang="ko-KR" sz="1100" dirty="0" smtClean="0">
-                <a:solidFill>
-                  <a:schemeClr val="tx1"/>
-                </a:solidFill>
-              </a:rPr>
-              <a:t>, </a:t>
-            </a:r>
-            <a:r>
-              <a:rPr lang="ko-KR" altLang="en-US" sz="1100" dirty="0" smtClean="0">
-                <a:solidFill>
-                  <a:schemeClr val="tx1"/>
-                </a:solidFill>
-              </a:rPr>
-              <a:t>소요시간 값</a:t>
-            </a:r>
-            <a:r>
-              <a:rPr lang="en-US" altLang="ko-KR" sz="1100" dirty="0" smtClean="0">
-                <a:solidFill>
-                  <a:schemeClr val="tx1"/>
-                </a:solidFill>
-              </a:rPr>
-              <a:t>)</a:t>
-            </a:r>
-            <a:endParaRPr lang="ko-KR" altLang="en-US" sz="1100" dirty="0">
-              <a:solidFill>
-                <a:schemeClr val="tx1"/>
-              </a:solidFill>
-            </a:endParaRPr>
-          </a:p>
-        </p:txBody>
-      </p:sp>
-      <p:cxnSp>
-        <p:nvCxnSpPr>
-          <p:cNvPr id="60" name="직선 화살표 연결선 59"/>
-          <p:cNvCxnSpPr/>
+        </p:txBody>
+      </p:sp>
+      <p:sp>
+        <p:nvSpPr>
+          <p:cNvPr id="22" name="직사각형 21"/>
+          <p:cNvSpPr/>
           <p:nvPr/>
-        </p:nvCxnSpPr>
+        </p:nvSpPr>
         <p:spPr>
           <a:xfrm>
-            <a:off x="2814034" y="4117487"/>
-            <a:ext cx="2002125" cy="5959"/>
-          </a:xfrm>
-          <a:prstGeom prst="straightConnector1">
-            <a:avLst/>
-          </a:prstGeom>
-          <a:ln w="22225">
-            <a:solidFill>
-              <a:schemeClr val="tx1"/>
-            </a:solidFill>
-            <a:headEnd type="triangle"/>
-            <a:tailEnd type="none"/>
-          </a:ln>
-        </p:spPr>
-        <p:style>
-          <a:lnRef idx="1">
-            <a:schemeClr val="accent1"/>
-          </a:lnRef>
-          <a:fillRef idx="0">
-            <a:schemeClr val="accent1"/>
-          </a:fillRef>
-          <a:effectRef idx="0">
-            <a:schemeClr val="accent1"/>
-          </a:effectRef>
-          <a:fontRef idx="minor">
-            <a:schemeClr val="tx1"/>
-          </a:fontRef>
-        </p:style>
-      </p:cxnSp>
-      <p:cxnSp>
-        <p:nvCxnSpPr>
-          <p:cNvPr id="61" name="직선 화살표 연결선 60"/>
-          <p:cNvCxnSpPr/>
-          <p:nvPr/>
-        </p:nvCxnSpPr>
-        <p:spPr>
-          <a:xfrm>
-            <a:off x="6530840" y="4117487"/>
-            <a:ext cx="2191742" cy="0"/>
-          </a:xfrm>
-          <a:prstGeom prst="straightConnector1">
-            <a:avLst/>
-          </a:prstGeom>
-          <a:ln w="22225">
-            <a:solidFill>
-              <a:schemeClr val="tx1"/>
-            </a:solidFill>
-            <a:tailEnd type="none"/>
-          </a:ln>
-        </p:spPr>
-        <p:style>
-          <a:lnRef idx="1">
-            <a:schemeClr val="accent1"/>
-          </a:lnRef>
-          <a:fillRef idx="0">
-            <a:schemeClr val="accent1"/>
-          </a:fillRef>
-          <a:effectRef idx="0">
-            <a:schemeClr val="accent1"/>
-          </a:effectRef>
-          <a:fontRef idx="minor">
-            <a:schemeClr val="tx1"/>
-          </a:fontRef>
-        </p:style>
-      </p:cxnSp>
-      <p:cxnSp>
-        <p:nvCxnSpPr>
-          <p:cNvPr id="62" name="직선 연결선 61"/>
-          <p:cNvCxnSpPr/>
-          <p:nvPr/>
-        </p:nvCxnSpPr>
-        <p:spPr>
-          <a:xfrm>
-            <a:off x="4816159" y="4117487"/>
-            <a:ext cx="1714681" cy="0"/>
-          </a:xfrm>
-          <a:prstGeom prst="line">
-            <a:avLst/>
-          </a:prstGeom>
-          <a:ln w="22225">
-            <a:solidFill>
-              <a:schemeClr val="tx1"/>
-            </a:solidFill>
-            <a:prstDash val="sysDash"/>
-            <a:tailEnd type="none"/>
-          </a:ln>
-        </p:spPr>
-        <p:style>
-          <a:lnRef idx="1">
-            <a:schemeClr val="accent1"/>
-          </a:lnRef>
-          <a:fillRef idx="0">
-            <a:schemeClr val="accent1"/>
-          </a:fillRef>
-          <a:effectRef idx="0">
-            <a:schemeClr val="accent1"/>
-          </a:effectRef>
-          <a:fontRef idx="minor">
-            <a:schemeClr val="tx1"/>
-          </a:fontRef>
-        </p:style>
-      </p:cxnSp>
-      <p:sp>
-        <p:nvSpPr>
-          <p:cNvPr id="35" name="TextBox 34"/>
-          <p:cNvSpPr txBox="1"/>
-          <p:nvPr/>
-        </p:nvSpPr>
-        <p:spPr>
-          <a:xfrm>
-            <a:off x="4089936" y="3233815"/>
-            <a:ext cx="1851250" cy="307777"/>
+            <a:off x="5500694" y="1285860"/>
+            <a:ext cx="2428892" cy="428628"/>
           </a:xfrm>
           <a:prstGeom prst="rect">
             <a:avLst/>
           </a:prstGeom>
-          <a:noFill/>
-        </p:spPr>
-        <p:txBody>
-          <a:bodyPr wrap="square" rtlCol="0">
-            <a:spAutoFit/>
-          </a:bodyPr>
-          <a:lstStyle/>
-          <a:p>
-            <a:r>
-              <a:rPr lang="ko-KR" altLang="en-US" sz="1400" dirty="0" smtClean="0"/>
-              <a:t>현 위치 정보 전송</a:t>
-            </a:r>
-            <a:endParaRPr lang="ko-KR" altLang="en-US" sz="1400" dirty="0"/>
-          </a:p>
-        </p:txBody>
-      </p:sp>
-      <p:sp>
-        <p:nvSpPr>
-          <p:cNvPr id="36" name="TextBox 35"/>
-          <p:cNvSpPr txBox="1"/>
-          <p:nvPr/>
-        </p:nvSpPr>
-        <p:spPr>
-          <a:xfrm>
-            <a:off x="5684910" y="3803752"/>
-            <a:ext cx="2747641" cy="307777"/>
-          </a:xfrm>
-          <a:prstGeom prst="rect">
-            <a:avLst/>
-          </a:prstGeom>
-          <a:noFill/>
-        </p:spPr>
-        <p:txBody>
-          <a:bodyPr wrap="square" rtlCol="0">
-            <a:spAutoFit/>
-          </a:bodyPr>
-          <a:lstStyle/>
-          <a:p>
-            <a:r>
-              <a:rPr lang="ko-KR" altLang="en-US" sz="1400" dirty="0" smtClean="0"/>
-              <a:t>거리정보 및 거리계산 값 전송</a:t>
-            </a:r>
-            <a:endParaRPr lang="ko-KR" altLang="en-US" sz="1400" dirty="0"/>
-          </a:p>
-        </p:txBody>
-      </p:sp>
-      <p:sp>
-        <p:nvSpPr>
-          <p:cNvPr id="2" name="모서리가 둥근 직사각형 1"/>
-          <p:cNvSpPr/>
-          <p:nvPr/>
-        </p:nvSpPr>
-        <p:spPr>
-          <a:xfrm>
-            <a:off x="8733278" y="2367347"/>
-            <a:ext cx="1554759" cy="2176255"/>
-          </a:xfrm>
-          <a:prstGeom prst="roundRect">
-            <a:avLst/>
-          </a:prstGeom>
           <a:solidFill>
-            <a:schemeClr val="bg1"/>
+            <a:schemeClr val="tx2">
+              <a:lumMod val="20000"/>
+              <a:lumOff val="80000"/>
+            </a:schemeClr>
           </a:solidFill>
+          <a:ln>
+            <a:solidFill>
+              <a:schemeClr val="accent3">
+                <a:lumMod val="75000"/>
+              </a:schemeClr>
+            </a:solidFill>
+          </a:ln>
         </p:spPr>
         <p:style>
           <a:lnRef idx="2">
@@ -4446,346 +4067,36 @@
           <a:p>
             <a:pPr algn="ctr"/>
             <a:r>
-              <a:rPr lang="ko-KR" altLang="en-US" sz="1400" dirty="0" smtClean="0">
+              <a:rPr lang="en-US" altLang="ko-KR" dirty="0" smtClean="0">
                 <a:solidFill>
                   <a:schemeClr val="tx1"/>
                 </a:solidFill>
               </a:rPr>
-              <a:t>전송 받은</a:t>
-            </a:r>
-            <a:endParaRPr lang="en-US" altLang="ko-KR" sz="1400" dirty="0" smtClean="0">
+              <a:t>Camera preview</a:t>
+            </a:r>
+            <a:endParaRPr lang="ko-KR" altLang="en-US" dirty="0">
               <a:solidFill>
                 <a:schemeClr val="tx1"/>
               </a:solidFill>
             </a:endParaRPr>
           </a:p>
-          <a:p>
-            <a:pPr algn="ctr"/>
-            <a:r>
-              <a:rPr lang="ko-KR" altLang="en-US" sz="1400" dirty="0" smtClean="0">
-                <a:solidFill>
-                  <a:schemeClr val="tx1"/>
-                </a:solidFill>
-              </a:rPr>
-              <a:t>현 위치 값을 </a:t>
-            </a:r>
-            <a:endParaRPr lang="en-US" altLang="ko-KR" sz="1400" dirty="0" smtClean="0">
-              <a:solidFill>
-                <a:schemeClr val="tx1"/>
-              </a:solidFill>
-            </a:endParaRPr>
-          </a:p>
-          <a:p>
-            <a:pPr algn="ctr"/>
-            <a:r>
-              <a:rPr lang="ko-KR" altLang="en-US" sz="1400" dirty="0" smtClean="0">
-                <a:solidFill>
-                  <a:schemeClr val="tx1"/>
-                </a:solidFill>
-              </a:rPr>
-              <a:t>이용하여</a:t>
-            </a:r>
-            <a:endParaRPr lang="en-US" altLang="ko-KR" sz="1400" dirty="0" smtClean="0">
-              <a:solidFill>
-                <a:schemeClr val="tx1"/>
-              </a:solidFill>
-            </a:endParaRPr>
-          </a:p>
-          <a:p>
-            <a:pPr algn="ctr"/>
-            <a:r>
-              <a:rPr lang="ko-KR" altLang="en-US" sz="1400" dirty="0" smtClean="0">
-                <a:solidFill>
-                  <a:schemeClr val="tx1"/>
-                </a:solidFill>
-              </a:rPr>
-              <a:t> </a:t>
-            </a:r>
-            <a:endParaRPr lang="en-US" altLang="ko-KR" sz="1400" dirty="0" smtClean="0">
-              <a:solidFill>
-                <a:schemeClr val="tx1"/>
-              </a:solidFill>
-            </a:endParaRPr>
-          </a:p>
-          <a:p>
-            <a:pPr algn="ctr"/>
-            <a:r>
-              <a:rPr lang="ko-KR" altLang="en-US" sz="1400" dirty="0" smtClean="0">
-                <a:solidFill>
-                  <a:schemeClr val="tx1"/>
-                </a:solidFill>
-              </a:rPr>
-              <a:t>목적지까지의 거리 계산 및 거리 정보 제공</a:t>
-            </a:r>
-            <a:endParaRPr lang="ko-KR" altLang="en-US" sz="1400" dirty="0">
-              <a:solidFill>
-                <a:schemeClr val="tx1"/>
-              </a:solidFill>
-            </a:endParaRPr>
-          </a:p>
         </p:txBody>
       </p:sp>
       <p:cxnSp>
         <p:nvCxnSpPr>
-          <p:cNvPr id="10" name="직선 화살표 연결선 9"/>
-          <p:cNvCxnSpPr>
-            <a:stCxn id="59" idx="2"/>
-          </p:cNvCxnSpPr>
+          <p:cNvPr id="25" name="직선 연결선 24"/>
+          <p:cNvCxnSpPr/>
           <p:nvPr/>
         </p:nvCxnSpPr>
         <p:spPr>
           <a:xfrm>
-            <a:off x="1648496" y="4328193"/>
-            <a:ext cx="0" cy="465732"/>
-          </a:xfrm>
-          <a:prstGeom prst="straightConnector1">
-            <a:avLst/>
-          </a:prstGeom>
-          <a:ln w="22225">
-            <a:solidFill>
-              <a:schemeClr val="tx1"/>
-            </a:solidFill>
-            <a:tailEnd type="triangle"/>
-          </a:ln>
-        </p:spPr>
-        <p:style>
-          <a:lnRef idx="1">
-            <a:schemeClr val="accent1"/>
-          </a:lnRef>
-          <a:fillRef idx="0">
-            <a:schemeClr val="accent1"/>
-          </a:fillRef>
-          <a:effectRef idx="0">
-            <a:schemeClr val="accent1"/>
-          </a:effectRef>
-          <a:fontRef idx="minor">
-            <a:schemeClr val="tx1"/>
-          </a:fontRef>
-        </p:style>
-      </p:cxnSp>
-      <p:sp>
-        <p:nvSpPr>
-          <p:cNvPr id="41" name="모서리가 둥근 직사각형 40"/>
-          <p:cNvSpPr/>
-          <p:nvPr/>
-        </p:nvSpPr>
-        <p:spPr>
-          <a:xfrm>
-            <a:off x="482958" y="4793925"/>
-            <a:ext cx="2331076" cy="585885"/>
-          </a:xfrm>
-          <a:prstGeom prst="roundRect">
-            <a:avLst/>
-          </a:prstGeom>
-          <a:solidFill>
-            <a:schemeClr val="bg1"/>
-          </a:solidFill>
-        </p:spPr>
-        <p:style>
-          <a:lnRef idx="2">
-            <a:schemeClr val="accent1">
-              <a:shade val="50000"/>
-            </a:schemeClr>
-          </a:lnRef>
-          <a:fillRef idx="1">
-            <a:schemeClr val="accent1"/>
-          </a:fillRef>
-          <a:effectRef idx="0">
-            <a:schemeClr val="accent1"/>
-          </a:effectRef>
-          <a:fontRef idx="minor">
-            <a:schemeClr val="lt1"/>
-          </a:fontRef>
-        </p:style>
-        <p:txBody>
-          <a:bodyPr rtlCol="0" anchor="ctr"/>
-          <a:lstStyle/>
-          <a:p>
-            <a:pPr algn="ctr"/>
-            <a:r>
-              <a:rPr lang="en-US" altLang="ko-KR" sz="1200" dirty="0" smtClean="0">
-                <a:solidFill>
-                  <a:schemeClr val="tx1"/>
-                </a:solidFill>
-              </a:rPr>
-              <a:t>Camera overlay view </a:t>
-            </a:r>
-            <a:r>
-              <a:rPr lang="ko-KR" altLang="en-US" sz="1200" dirty="0" smtClean="0">
-                <a:solidFill>
-                  <a:schemeClr val="tx1"/>
-                </a:solidFill>
-              </a:rPr>
-              <a:t>제작</a:t>
-            </a:r>
-            <a:endParaRPr lang="en-US" altLang="ko-KR" sz="1200" dirty="0" smtClean="0">
-              <a:solidFill>
-                <a:schemeClr val="tx1"/>
-              </a:solidFill>
-            </a:endParaRPr>
-          </a:p>
-          <a:p>
-            <a:pPr algn="ctr"/>
-            <a:r>
-              <a:rPr lang="en-US" altLang="ko-KR" sz="1200" dirty="0" smtClean="0">
-                <a:solidFill>
-                  <a:schemeClr val="tx1"/>
-                </a:solidFill>
-              </a:rPr>
-              <a:t>(Item </a:t>
-            </a:r>
-            <a:r>
-              <a:rPr lang="ko-KR" altLang="en-US" sz="1200" dirty="0" smtClean="0">
-                <a:solidFill>
-                  <a:schemeClr val="tx1"/>
-                </a:solidFill>
-              </a:rPr>
-              <a:t>생성</a:t>
-            </a:r>
-            <a:r>
-              <a:rPr lang="en-US" altLang="ko-KR" sz="1200" dirty="0" smtClean="0">
-                <a:solidFill>
-                  <a:schemeClr val="tx1"/>
-                </a:solidFill>
-              </a:rPr>
-              <a:t>(</a:t>
-            </a:r>
-            <a:r>
-              <a:rPr lang="ko-KR" altLang="en-US" sz="1200" dirty="0" smtClean="0">
-                <a:solidFill>
-                  <a:schemeClr val="tx1"/>
-                </a:solidFill>
-              </a:rPr>
-              <a:t>목적지표시</a:t>
-            </a:r>
-            <a:r>
-              <a:rPr lang="en-US" altLang="ko-KR" sz="1200" dirty="0" smtClean="0">
-                <a:solidFill>
-                  <a:schemeClr val="tx1"/>
-                </a:solidFill>
-              </a:rPr>
-              <a:t>,</a:t>
-            </a:r>
-            <a:r>
-              <a:rPr lang="ko-KR" altLang="en-US" sz="1200" dirty="0" smtClean="0">
-                <a:solidFill>
-                  <a:schemeClr val="tx1"/>
-                </a:solidFill>
-              </a:rPr>
-              <a:t>화살표 소요시간</a:t>
-            </a:r>
-            <a:r>
-              <a:rPr lang="en-US" altLang="ko-KR" sz="1200" dirty="0" smtClean="0">
-                <a:solidFill>
-                  <a:schemeClr val="tx1"/>
-                </a:solidFill>
-              </a:rPr>
-              <a:t>))</a:t>
-            </a:r>
-            <a:endParaRPr lang="ko-KR" altLang="en-US" sz="1200" dirty="0">
-              <a:solidFill>
-                <a:schemeClr val="tx1"/>
-              </a:solidFill>
-            </a:endParaRPr>
-          </a:p>
-        </p:txBody>
-      </p:sp>
-      <p:sp>
-        <p:nvSpPr>
-          <p:cNvPr id="45" name="모서리가 둥근 직사각형 44"/>
-          <p:cNvSpPr/>
-          <p:nvPr/>
-        </p:nvSpPr>
-        <p:spPr>
-          <a:xfrm>
-            <a:off x="482958" y="5483250"/>
-            <a:ext cx="2331076" cy="567041"/>
-          </a:xfrm>
-          <a:prstGeom prst="roundRect">
-            <a:avLst/>
-          </a:prstGeom>
-          <a:solidFill>
-            <a:schemeClr val="bg1"/>
-          </a:solidFill>
-        </p:spPr>
-        <p:style>
-          <a:lnRef idx="2">
-            <a:schemeClr val="accent1">
-              <a:shade val="50000"/>
-            </a:schemeClr>
-          </a:lnRef>
-          <a:fillRef idx="1">
-            <a:schemeClr val="accent1"/>
-          </a:fillRef>
-          <a:effectRef idx="0">
-            <a:schemeClr val="accent1"/>
-          </a:effectRef>
-          <a:fontRef idx="minor">
-            <a:schemeClr val="lt1"/>
-          </a:fontRef>
-        </p:style>
-        <p:txBody>
-          <a:bodyPr rtlCol="0" anchor="ctr"/>
-          <a:lstStyle/>
-          <a:p>
-            <a:pPr algn="ctr"/>
-            <a:r>
-              <a:rPr lang="en-US" altLang="ko-KR" sz="1200" dirty="0" smtClean="0">
-                <a:solidFill>
-                  <a:schemeClr val="tx1"/>
-                </a:solidFill>
-              </a:rPr>
-              <a:t>Camera preview </a:t>
-            </a:r>
-            <a:r>
-              <a:rPr lang="ko-KR" altLang="en-US" sz="1200" dirty="0" smtClean="0">
-                <a:solidFill>
-                  <a:schemeClr val="tx1"/>
-                </a:solidFill>
-              </a:rPr>
-              <a:t>제작</a:t>
-            </a:r>
-            <a:endParaRPr lang="en-US" altLang="ko-KR" sz="1200" dirty="0" smtClean="0">
-              <a:solidFill>
-                <a:schemeClr val="tx1"/>
-              </a:solidFill>
-            </a:endParaRPr>
-          </a:p>
-          <a:p>
-            <a:pPr algn="ctr"/>
-            <a:r>
-              <a:rPr lang="en-US" altLang="ko-KR" sz="1200" dirty="0" smtClean="0">
-                <a:solidFill>
-                  <a:schemeClr val="tx1"/>
-                </a:solidFill>
-              </a:rPr>
-              <a:t>(Camera surface)</a:t>
-            </a:r>
-            <a:endParaRPr lang="ko-KR" altLang="en-US" sz="1200" dirty="0">
-              <a:solidFill>
-                <a:schemeClr val="tx1"/>
-              </a:solidFill>
-            </a:endParaRPr>
-          </a:p>
-        </p:txBody>
-      </p:sp>
-      <p:cxnSp>
-        <p:nvCxnSpPr>
-          <p:cNvPr id="26" name="직선 연결선 25"/>
-          <p:cNvCxnSpPr>
-            <a:stCxn id="41" idx="3"/>
-          </p:cNvCxnSpPr>
-          <p:nvPr/>
-        </p:nvCxnSpPr>
-        <p:spPr>
-          <a:xfrm>
-            <a:off x="2814034" y="5086868"/>
-            <a:ext cx="941620" cy="0"/>
+            <a:off x="6572264" y="1857364"/>
+            <a:ext cx="285752" cy="1588"/>
           </a:xfrm>
           <a:prstGeom prst="line">
             <a:avLst/>
           </a:prstGeom>
-          <a:ln w="22225">
+          <a:ln w="12700">
             <a:solidFill>
               <a:schemeClr val="tx1"/>
             </a:solidFill>
@@ -4808,19 +4119,21 @@
       </p:cxnSp>
       <p:cxnSp>
         <p:nvCxnSpPr>
-          <p:cNvPr id="51" name="직선 연결선 50"/>
-          <p:cNvCxnSpPr/>
+          <p:cNvPr id="27" name="직선 연결선 26"/>
+          <p:cNvCxnSpPr>
+            <a:stCxn id="22" idx="2"/>
+          </p:cNvCxnSpPr>
           <p:nvPr/>
         </p:nvCxnSpPr>
         <p:spPr>
-          <a:xfrm flipV="1">
-            <a:off x="2814034" y="5667120"/>
-            <a:ext cx="941620" cy="1"/>
+          <a:xfrm rot="5400000">
+            <a:off x="6571073" y="1856967"/>
+            <a:ext cx="286546" cy="1588"/>
           </a:xfrm>
           <a:prstGeom prst="line">
             <a:avLst/>
           </a:prstGeom>
-          <a:ln w="22225">
+          <a:ln w="12700">
             <a:solidFill>
               <a:schemeClr val="tx1"/>
             </a:solidFill>
@@ -4843,33 +4156,35 @@
       </p:cxnSp>
       <p:cxnSp>
         <p:nvCxnSpPr>
-          <p:cNvPr id="29" name="직선 연결선 28"/>
-          <p:cNvCxnSpPr/>
+          <p:cNvPr id="31" name="꺾인 연결선 30"/>
+          <p:cNvCxnSpPr>
+            <a:endCxn id="22" idx="1"/>
+          </p:cNvCxnSpPr>
           <p:nvPr/>
         </p:nvCxnSpPr>
         <p:spPr>
           <a:xfrm>
-            <a:off x="3755654" y="5373382"/>
-            <a:ext cx="364826" cy="0"/>
+            <a:off x="4143372" y="1500174"/>
+            <a:ext cx="1357322" cy="1588"/>
           </a:xfrm>
-          <a:prstGeom prst="line">
-            <a:avLst/>
+          <a:prstGeom prst="bentConnector3">
+            <a:avLst>
+              <a:gd name="adj1" fmla="val 50000"/>
+            </a:avLst>
           </a:prstGeom>
-          <a:ln w="22225">
-            <a:solidFill>
-              <a:schemeClr val="tx1"/>
-            </a:solidFill>
+          <a:ln>
+            <a:tailEnd type="arrow"/>
           </a:ln>
         </p:spPr>
         <p:style>
           <a:lnRef idx="1">
-            <a:schemeClr val="accent1"/>
+            <a:schemeClr val="accent2"/>
           </a:lnRef>
           <a:fillRef idx="0">
-            <a:schemeClr val="accent1"/>
+            <a:schemeClr val="accent2"/>
           </a:fillRef>
           <a:effectRef idx="0">
-            <a:schemeClr val="accent1"/>
+            <a:schemeClr val="accent2"/>
           </a:effectRef>
           <a:fontRef idx="minor">
             <a:schemeClr val="tx1"/>
@@ -4878,33 +4193,34 @@
       </p:cxnSp>
       <p:cxnSp>
         <p:nvCxnSpPr>
-          <p:cNvPr id="34" name="직선 연결선 33"/>
-          <p:cNvCxnSpPr/>
+          <p:cNvPr id="38" name="Shape 37"/>
+          <p:cNvCxnSpPr>
+            <a:stCxn id="6" idx="0"/>
+            <a:endCxn id="20" idx="1"/>
+          </p:cNvCxnSpPr>
           <p:nvPr/>
         </p:nvCxnSpPr>
         <p:spPr>
-          <a:xfrm>
-            <a:off x="3938067" y="5178246"/>
-            <a:ext cx="0" cy="403128"/>
+          <a:xfrm rot="5400000" flipH="1" flipV="1">
+            <a:off x="4268388" y="2482447"/>
+            <a:ext cx="1500198" cy="964413"/>
           </a:xfrm>
-          <a:prstGeom prst="line">
+          <a:prstGeom prst="bentConnector2">
             <a:avLst/>
           </a:prstGeom>
-          <a:ln w="22225">
-            <a:solidFill>
-              <a:schemeClr val="tx1"/>
-            </a:solidFill>
+          <a:ln>
+            <a:tailEnd type="arrow"/>
           </a:ln>
         </p:spPr>
         <p:style>
           <a:lnRef idx="1">
-            <a:schemeClr val="accent1"/>
+            <a:schemeClr val="accent2"/>
           </a:lnRef>
           <a:fillRef idx="0">
-            <a:schemeClr val="accent1"/>
+            <a:schemeClr val="accent2"/>
           </a:fillRef>
           <a:effectRef idx="0">
-            <a:schemeClr val="accent1"/>
+            <a:schemeClr val="accent2"/>
           </a:effectRef>
           <a:fontRef idx="minor">
             <a:schemeClr val="tx1"/>
@@ -4913,34 +4229,34 @@
       </p:cxnSp>
       <p:cxnSp>
         <p:nvCxnSpPr>
-          <p:cNvPr id="55" name="직선 화살표 연결선 54"/>
-          <p:cNvCxnSpPr/>
+          <p:cNvPr id="44" name="Shape 43"/>
+          <p:cNvCxnSpPr>
+            <a:stCxn id="5" idx="2"/>
+            <a:endCxn id="6" idx="3"/>
+          </p:cNvCxnSpPr>
           <p:nvPr/>
         </p:nvCxnSpPr>
         <p:spPr>
-          <a:xfrm>
-            <a:off x="4250878" y="5379810"/>
-            <a:ext cx="2130276" cy="0"/>
+          <a:xfrm rot="5400000">
+            <a:off x="5589992" y="3768331"/>
+            <a:ext cx="1928826" cy="392909"/>
           </a:xfrm>
-          <a:prstGeom prst="straightConnector1">
+          <a:prstGeom prst="bentConnector2">
             <a:avLst/>
           </a:prstGeom>
-          <a:ln w="22225">
-            <a:solidFill>
-              <a:schemeClr val="tx1"/>
-            </a:solidFill>
-            <a:tailEnd type="triangle"/>
+          <a:ln>
+            <a:tailEnd type="arrow"/>
           </a:ln>
         </p:spPr>
         <p:style>
           <a:lnRef idx="1">
-            <a:schemeClr val="accent1"/>
+            <a:schemeClr val="accent2"/>
           </a:lnRef>
           <a:fillRef idx="0">
-            <a:schemeClr val="accent1"/>
+            <a:schemeClr val="accent2"/>
           </a:fillRef>
           <a:effectRef idx="0">
-            <a:schemeClr val="accent1"/>
+            <a:schemeClr val="accent2"/>
           </a:effectRef>
           <a:fontRef idx="minor">
             <a:schemeClr val="tx1"/>
@@ -4949,64 +4265,30 @@
       </p:cxnSp>
       <p:sp>
         <p:nvSpPr>
-          <p:cNvPr id="63" name="모서리가 둥근 직사각형 62"/>
+          <p:cNvPr id="48" name="직사각형 47"/>
           <p:cNvSpPr/>
           <p:nvPr/>
         </p:nvSpPr>
         <p:spPr>
           <a:xfrm>
-            <a:off x="6613376" y="5192592"/>
-            <a:ext cx="1711043" cy="2149650"/>
-          </a:xfrm>
-          <a:prstGeom prst="roundRect">
-            <a:avLst/>
-          </a:prstGeom>
-          <a:noFill/>
-        </p:spPr>
-        <p:style>
-          <a:lnRef idx="2">
-            <a:schemeClr val="accent1">
-              <a:shade val="50000"/>
-            </a:schemeClr>
-          </a:lnRef>
-          <a:fillRef idx="1">
-            <a:schemeClr val="accent1"/>
-          </a:fillRef>
-          <a:effectRef idx="0">
-            <a:schemeClr val="accent1"/>
-          </a:effectRef>
-          <a:fontRef idx="minor">
-            <a:schemeClr val="lt1"/>
-          </a:fontRef>
-        </p:style>
-        <p:txBody>
-          <a:bodyPr rtlCol="0" anchor="ctr"/>
-          <a:lstStyle/>
-          <a:p>
-            <a:pPr algn="ctr"/>
-            <a:endParaRPr lang="ko-KR" altLang="en-US"/>
-          </a:p>
-        </p:txBody>
-      </p:sp>
-      <p:sp>
-        <p:nvSpPr>
-          <p:cNvPr id="64" name="직사각형 63"/>
-          <p:cNvSpPr/>
-          <p:nvPr/>
-        </p:nvSpPr>
-        <p:spPr>
-          <a:xfrm>
-            <a:off x="7032233" y="5090750"/>
-            <a:ext cx="862885" cy="215198"/>
+            <a:off x="4214810" y="4643446"/>
+            <a:ext cx="2071702" cy="714380"/>
           </a:xfrm>
           <a:prstGeom prst="rect">
             <a:avLst/>
           </a:prstGeom>
           <a:solidFill>
-            <a:schemeClr val="bg1"/>
+            <a:schemeClr val="tx2">
+              <a:lumMod val="20000"/>
+              <a:lumOff val="80000"/>
+            </a:schemeClr>
           </a:solidFill>
           <a:ln>
-            <a:noFill/>
+            <a:solidFill>
+              <a:schemeClr val="accent4">
+                <a:lumMod val="75000"/>
+              </a:schemeClr>
+            </a:solidFill>
           </a:ln>
         </p:spPr>
         <p:style>
@@ -5031,22 +4313,33 @@
           <a:p>
             <a:pPr algn="ctr"/>
             <a:r>
-              <a:rPr lang="en-US" altLang="ko-KR" sz="1400" dirty="0" smtClean="0">
+              <a:rPr lang="en-US" altLang="ko-KR" sz="1600" dirty="0" smtClean="0">
                 <a:solidFill>
                   <a:schemeClr val="tx1"/>
                 </a:solidFill>
               </a:rPr>
-              <a:t>Camera</a:t>
-            </a:r>
-            <a:r>
-              <a:rPr lang="en-US" altLang="ko-KR" sz="1400" u="sng" dirty="0" smtClean="0">
+              <a:t>&lt;Sensor manager&gt;</a:t>
+            </a:r>
+          </a:p>
+          <a:p>
+            <a:pPr algn="ctr"/>
+            <a:r>
+              <a:rPr lang="en-US" altLang="ko-KR" sz="1600" dirty="0">
                 <a:solidFill>
                   <a:schemeClr val="tx1"/>
                 </a:solidFill>
               </a:rPr>
-              <a:t> activity</a:t>
-            </a:r>
-            <a:endParaRPr lang="ko-KR" altLang="en-US" sz="1400" u="sng" dirty="0">
+              <a:t>o</a:t>
+            </a:r>
+            <a:r>
+              <a:rPr lang="en-US" altLang="ko-KR" sz="1600" dirty="0" smtClean="0">
+                <a:solidFill>
+                  <a:schemeClr val="tx1"/>
+                </a:solidFill>
+              </a:rPr>
+              <a:t>n sensor changed</a:t>
+            </a:r>
+            <a:endParaRPr lang="ko-KR" altLang="en-US" sz="1600" dirty="0">
               <a:solidFill>
                 <a:schemeClr val="tx1"/>
               </a:solidFill>
@@ -5056,21 +4349,31 @@
       </p:sp>
       <p:sp>
         <p:nvSpPr>
-          <p:cNvPr id="66" name="직사각형 65"/>
+          <p:cNvPr id="49" name="직사각형 48"/>
           <p:cNvSpPr/>
           <p:nvPr/>
         </p:nvSpPr>
         <p:spPr>
           <a:xfrm>
-            <a:off x="6793635" y="5923832"/>
-            <a:ext cx="1365625" cy="920099"/>
+            <a:off x="2857488" y="4714884"/>
+            <a:ext cx="1071570" cy="571504"/>
           </a:xfrm>
           <a:prstGeom prst="rect">
             <a:avLst/>
           </a:prstGeom>
           <a:solidFill>
-            <a:schemeClr val="bg1"/>
+            <a:schemeClr val="tx2">
+              <a:lumMod val="20000"/>
+              <a:lumOff val="80000"/>
+            </a:schemeClr>
           </a:solidFill>
+          <a:ln>
+            <a:solidFill>
+              <a:schemeClr val="accent4">
+                <a:lumMod val="75000"/>
+              </a:schemeClr>
+            </a:solidFill>
+          </a:ln>
         </p:spPr>
         <p:style>
           <a:lnRef idx="2">
@@ -5094,25 +4397,30 @@
           <a:p>
             <a:pPr algn="ctr"/>
             <a:r>
-              <a:rPr lang="en-US" altLang="ko-KR" dirty="0" smtClean="0">
+              <a:rPr lang="en-US" altLang="ko-KR" sz="1600" dirty="0" smtClean="0">
                 <a:solidFill>
                   <a:schemeClr val="tx1"/>
                 </a:solidFill>
               </a:rPr>
-              <a:t>Overlay</a:t>
-            </a:r>
-          </a:p>
-          <a:p>
-            <a:pPr algn="ctr"/>
-            <a:r>
-              <a:rPr lang="ko-KR" altLang="en-US" dirty="0" smtClean="0">
+              <a:t>item</a:t>
+            </a:r>
+            <a:r>
+              <a:rPr lang="ko-KR" altLang="en-US" sz="1600" dirty="0" smtClean="0">
                 <a:solidFill>
                   <a:schemeClr val="tx1"/>
                 </a:solidFill>
               </a:rPr>
-              <a:t>구현</a:t>
-            </a:r>
-            <a:endParaRPr lang="ko-KR" altLang="en-US" dirty="0">
+              <a:t> </a:t>
+            </a:r>
+            <a:r>
+              <a:rPr lang="en-US" altLang="ko-KR" sz="1600" dirty="0" smtClean="0">
+                <a:solidFill>
+                  <a:schemeClr val="tx1"/>
+                </a:solidFill>
+              </a:rPr>
+              <a:t>draw</a:t>
+            </a:r>
+            <a:endParaRPr lang="ko-KR" altLang="en-US" sz="1600" dirty="0">
               <a:solidFill>
                 <a:schemeClr val="tx1"/>
               </a:solidFill>
@@ -5120,12 +4428,144 @@
           </a:p>
         </p:txBody>
       </p:sp>
+      <p:cxnSp>
+        <p:nvCxnSpPr>
+          <p:cNvPr id="50" name="직선 화살표 연결선 49"/>
+          <p:cNvCxnSpPr/>
+          <p:nvPr/>
+        </p:nvCxnSpPr>
+        <p:spPr>
+          <a:xfrm rot="10800000" flipV="1">
+            <a:off x="3786182" y="5000636"/>
+            <a:ext cx="571504" cy="11112"/>
+          </a:xfrm>
+          <a:prstGeom prst="straightConnector1">
+            <a:avLst/>
+          </a:prstGeom>
+          <a:ln w="12700">
+            <a:solidFill>
+              <a:schemeClr val="tx1"/>
+            </a:solidFill>
+            <a:tailEnd type="arrow"/>
+          </a:ln>
+        </p:spPr>
+        <p:style>
+          <a:lnRef idx="1">
+            <a:schemeClr val="accent1"/>
+          </a:lnRef>
+          <a:fillRef idx="0">
+            <a:schemeClr val="accent1"/>
+          </a:fillRef>
+          <a:effectRef idx="0">
+            <a:schemeClr val="accent1"/>
+          </a:effectRef>
+          <a:fontRef idx="minor">
+            <a:schemeClr val="tx1"/>
+          </a:fontRef>
+        </p:style>
+      </p:cxnSp>
+      <p:sp>
+        <p:nvSpPr>
+          <p:cNvPr id="24" name="직사각형 23"/>
+          <p:cNvSpPr/>
+          <p:nvPr/>
+        </p:nvSpPr>
+        <p:spPr>
+          <a:xfrm>
+            <a:off x="4071934" y="5500702"/>
+            <a:ext cx="2214578" cy="428628"/>
+          </a:xfrm>
+          <a:prstGeom prst="rect">
+            <a:avLst/>
+          </a:prstGeom>
+          <a:solidFill>
+            <a:schemeClr val="tx2">
+              <a:lumMod val="20000"/>
+              <a:lumOff val="80000"/>
+            </a:schemeClr>
+          </a:solidFill>
+          <a:ln>
+            <a:solidFill>
+              <a:schemeClr val="accent3">
+                <a:lumMod val="75000"/>
+              </a:schemeClr>
+            </a:solidFill>
+          </a:ln>
+        </p:spPr>
+        <p:style>
+          <a:lnRef idx="2">
+            <a:schemeClr val="accent1">
+              <a:shade val="50000"/>
+            </a:schemeClr>
+          </a:lnRef>
+          <a:fillRef idx="1">
+            <a:schemeClr val="accent1"/>
+          </a:fillRef>
+          <a:effectRef idx="0">
+            <a:schemeClr val="accent1"/>
+          </a:effectRef>
+          <a:fontRef idx="minor">
+            <a:schemeClr val="lt1"/>
+          </a:fontRef>
+        </p:style>
+        <p:txBody>
+          <a:bodyPr rtlCol="0" anchor="ctr"/>
+          <a:lstStyle/>
+          <a:p>
+            <a:pPr algn="ctr"/>
+            <a:r>
+              <a:rPr lang="en-US" altLang="ko-KR" sz="1600" dirty="0" smtClean="0">
+                <a:solidFill>
+                  <a:schemeClr val="tx1"/>
+                </a:solidFill>
+              </a:rPr>
+              <a:t>&lt;Location manager&gt;</a:t>
+            </a:r>
+          </a:p>
+          <a:p>
+            <a:pPr algn="ctr"/>
+            <a:r>
+              <a:rPr lang="en-US" altLang="ko-KR" sz="1600" dirty="0" err="1" smtClean="0">
+                <a:solidFill>
+                  <a:schemeClr val="tx1"/>
+                </a:solidFill>
+              </a:rPr>
+              <a:t>Gps</a:t>
+            </a:r>
+            <a:endParaRPr lang="ko-KR" altLang="en-US" sz="1600" dirty="0">
+              <a:solidFill>
+                <a:schemeClr val="tx1"/>
+              </a:solidFill>
+            </a:endParaRPr>
+          </a:p>
+        </p:txBody>
+      </p:sp>
     </p:spTree>
-    <p:extLst>
-      <p:ext uri="{BB962C8B-B14F-4D97-AF65-F5344CB8AC3E}">
-        <p14:creationId xmlns:p14="http://schemas.microsoft.com/office/powerpoint/2010/main" val="403868444"/>
-      </p:ext>
-    </p:extLst>
+  </p:cSld>
+  <p:clrMapOvr>
+    <a:masterClrMapping/>
+  </p:clrMapOvr>
+</p:sld>
+</file>
+
+<file path=ppt/slides/slide2.xml><?xml version="1.0" encoding="utf-8"?>
+<p:sld xmlns:a="http://schemas.openxmlformats.org/drawingml/2006/main" xmlns:r="http://schemas.openxmlformats.org/officeDocument/2006/relationships" xmlns:p="http://schemas.openxmlformats.org/presentationml/2006/main">
+  <p:cSld>
+    <p:spTree>
+      <p:nvGrpSpPr>
+        <p:cNvPr id="1" name=""/>
+        <p:cNvGrpSpPr/>
+        <p:nvPr/>
+      </p:nvGrpSpPr>
+      <p:grpSpPr>
+        <a:xfrm>
+          <a:off x="0" y="0"/>
+          <a:ext cx="0" cy="0"/>
+          <a:chOff x="0" y="0"/>
+          <a:chExt cx="0" cy="0"/>
+        </a:xfrm>
+      </p:grpSpPr>
+    </p:spTree>
   </p:cSld>
   <p:clrMapOvr>
     <a:masterClrMapping/>
@@ -5144,39 +4584,39 @@
         <a:sysClr val="window" lastClr="FFFFFF"/>
       </a:lt1>
       <a:dk2>
-        <a:srgbClr val="44546A"/>
+        <a:srgbClr val="1F497D"/>
       </a:dk2>
       <a:lt2>
-        <a:srgbClr val="E7E6E6"/>
+        <a:srgbClr val="EEECE1"/>
       </a:lt2>
       <a:accent1>
-        <a:srgbClr val="5B9BD5"/>
+        <a:srgbClr val="4F81BD"/>
       </a:accent1>
       <a:accent2>
-        <a:srgbClr val="ED7D31"/>
+        <a:srgbClr val="C0504D"/>
       </a:accent2>
       <a:accent3>
-        <a:srgbClr val="A5A5A5"/>
+        <a:srgbClr val="9BBB59"/>
       </a:accent3>
       <a:accent4>
-        <a:srgbClr val="FFC000"/>
+        <a:srgbClr val="8064A2"/>
       </a:accent4>
       <a:accent5>
-        <a:srgbClr val="4472C4"/>
+        <a:srgbClr val="4BACC6"/>
       </a:accent5>
       <a:accent6>
-        <a:srgbClr val="70AD47"/>
+        <a:srgbClr val="F79646"/>
       </a:accent6>
       <a:hlink>
-        <a:srgbClr val="0563C1"/>
+        <a:srgbClr val="0000FF"/>
       </a:hlink>
       <a:folHlink>
-        <a:srgbClr val="954F72"/>
+        <a:srgbClr val="800080"/>
       </a:folHlink>
     </a:clrScheme>
     <a:fontScheme name="Office">
       <a:majorFont>
-        <a:latin typeface="맑은 고딕" panose="020F0302020204030204"/>
+        <a:latin typeface="맑은 고딕"/>
         <a:ea typeface=""/>
         <a:cs typeface=""/>
         <a:font script="Jpan" typeface="ＭＳ Ｐゴシック"/>
@@ -5208,10 +4648,9 @@
         <a:font script="Mong" typeface="Mongolian Baiti"/>
         <a:font script="Viet" typeface="Times New Roman"/>
         <a:font script="Uigh" typeface="Microsoft Uighur"/>
-        <a:font script="Geor" typeface="Sylfaen"/>
       </a:majorFont>
       <a:minorFont>
-        <a:latin typeface="맑은 고딕" panose="020F0502020204030204"/>
+        <a:latin typeface="맑은 고딕"/>
         <a:ea typeface=""/>
         <a:cs typeface=""/>
         <a:font script="Jpan" typeface="ＭＳ Ｐゴシック"/>
@@ -5243,7 +4682,6 @@
         <a:font script="Mong" typeface="Mongolian Baiti"/>
         <a:font script="Viet" typeface="Arial"/>
         <a:font script="Uigh" typeface="Microsoft Uighur"/>
-        <a:font script="Geor" typeface="Sylfaen"/>
       </a:minorFont>
     </a:fontScheme>
     <a:fmtScheme name="Office">
@@ -5255,141 +4693,448 @@
           <a:gsLst>
             <a:gs pos="0">
               <a:schemeClr val="phClr">
-                <a:lumMod val="110000"/>
-                <a:satMod val="105000"/>
-                <a:tint val="67000"/>
+                <a:tint val="50000"/>
+                <a:satMod val="300000"/>
               </a:schemeClr>
             </a:gs>
-            <a:gs pos="50000">
+            <a:gs pos="35000">
               <a:schemeClr val="phClr">
-                <a:lumMod val="105000"/>
-                <a:satMod val="103000"/>
-                <a:tint val="73000"/>
+                <a:tint val="37000"/>
+                <a:satMod val="300000"/>
               </a:schemeClr>
             </a:gs>
             <a:gs pos="100000">
               <a:schemeClr val="phClr">
-                <a:lumMod val="105000"/>
-                <a:satMod val="109000"/>
-                <a:tint val="81000"/>
+                <a:tint val="15000"/>
+                <a:satMod val="350000"/>
               </a:schemeClr>
             </a:gs>
           </a:gsLst>
-          <a:lin ang="5400000" scaled="0"/>
+          <a:lin ang="16200000" scaled="1"/>
         </a:gradFill>
         <a:gradFill rotWithShape="1">
           <a:gsLst>
             <a:gs pos="0">
               <a:schemeClr val="phClr">
-                <a:satMod val="103000"/>
-                <a:lumMod val="102000"/>
-                <a:tint val="94000"/>
+                <a:shade val="51000"/>
+                <a:satMod val="130000"/>
               </a:schemeClr>
             </a:gs>
-            <a:gs pos="50000">
+            <a:gs pos="80000">
               <a:schemeClr val="phClr">
-                <a:satMod val="110000"/>
-                <a:lumMod val="100000"/>
-                <a:shade val="100000"/>
+                <a:shade val="93000"/>
+                <a:satMod val="130000"/>
               </a:schemeClr>
             </a:gs>
             <a:gs pos="100000">
               <a:schemeClr val="phClr">
-                <a:lumMod val="99000"/>
-                <a:satMod val="120000"/>
-                <a:shade val="78000"/>
+                <a:shade val="94000"/>
+                <a:satMod val="135000"/>
               </a:schemeClr>
             </a:gs>
           </a:gsLst>
-          <a:lin ang="5400000" scaled="0"/>
+          <a:lin ang="16200000" scaled="0"/>
         </a:gradFill>
       </a:fillStyleLst>
       <a:lnStyleLst>
-        <a:ln w="6350" cap="flat" cmpd="sng" algn="ctr">
+        <a:ln w="9525" cap="flat" cmpd="sng" algn="ctr">
+          <a:solidFill>
+            <a:schemeClr val="phClr">
+              <a:shade val="95000"/>
+              <a:satMod val="105000"/>
+            </a:schemeClr>
+          </a:solidFill>
+          <a:prstDash val="solid"/>
+        </a:ln>
+        <a:ln w="25400" cap="flat" cmpd="sng" algn="ctr">
           <a:solidFill>
             <a:schemeClr val="phClr"/>
           </a:solidFill>
           <a:prstDash val="solid"/>
-          <a:miter lim="800000"/>
         </a:ln>
-        <a:ln w="12700" cap="flat" cmpd="sng" algn="ctr">
+        <a:ln w="38100" cap="flat" cmpd="sng" algn="ctr">
           <a:solidFill>
             <a:schemeClr val="phClr"/>
           </a:solidFill>
           <a:prstDash val="solid"/>
-          <a:miter lim="800000"/>
-        </a:ln>
-        <a:ln w="19050" cap="flat" cmpd="sng" algn="ctr">
-          <a:solidFill>
-            <a:schemeClr val="phClr"/>
-          </a:solidFill>
-          <a:prstDash val="solid"/>
-          <a:miter lim="800000"/>
         </a:ln>
       </a:lnStyleLst>
       <a:effectStyleLst>
         <a:effectStyle>
-          <a:effectLst/>
-        </a:effectStyle>
-        <a:effectStyle>
-          <a:effectLst/>
+          <a:effectLst>
+            <a:outerShdw blurRad="40000" dist="20000" dir="5400000" rotWithShape="0">
+              <a:srgbClr val="000000">
+                <a:alpha val="38000"/>
+              </a:srgbClr>
+            </a:outerShdw>
+          </a:effectLst>
         </a:effectStyle>
         <a:effectStyle>
           <a:effectLst>
-            <a:outerShdw blurRad="57150" dist="19050" dir="5400000" algn="ctr" rotWithShape="0">
+            <a:outerShdw blurRad="40000" dist="23000" dir="5400000" rotWithShape="0">
               <a:srgbClr val="000000">
-                <a:alpha val="63000"/>
+                <a:alpha val="35000"/>
               </a:srgbClr>
             </a:outerShdw>
           </a:effectLst>
+        </a:effectStyle>
+        <a:effectStyle>
+          <a:effectLst>
+            <a:outerShdw blurRad="40000" dist="23000" dir="5400000" rotWithShape="0">
+              <a:srgbClr val="000000">
+                <a:alpha val="35000"/>
+              </a:srgbClr>
+            </a:outerShdw>
+          </a:effectLst>
+          <a:scene3d>
+            <a:camera prst="orthographicFront">
+              <a:rot lat="0" lon="0" rev="0"/>
+            </a:camera>
+            <a:lightRig rig="threePt" dir="t">
+              <a:rot lat="0" lon="0" rev="1200000"/>
+            </a:lightRig>
+          </a:scene3d>
+          <a:sp3d>
+            <a:bevelT w="63500" h="25400"/>
+          </a:sp3d>
         </a:effectStyle>
       </a:effectStyleLst>
       <a:bgFillStyleLst>
         <a:solidFill>
           <a:schemeClr val="phClr"/>
         </a:solidFill>
-        <a:solidFill>
-          <a:schemeClr val="phClr">
-            <a:tint val="95000"/>
-            <a:satMod val="170000"/>
-          </a:schemeClr>
-        </a:solidFill>
         <a:gradFill rotWithShape="1">
           <a:gsLst>
             <a:gs pos="0">
               <a:schemeClr val="phClr">
-                <a:tint val="93000"/>
-                <a:satMod val="150000"/>
-                <a:shade val="98000"/>
-                <a:lumMod val="102000"/>
+                <a:tint val="40000"/>
+                <a:satMod val="350000"/>
               </a:schemeClr>
             </a:gs>
-            <a:gs pos="50000">
+            <a:gs pos="40000">
               <a:schemeClr val="phClr">
-                <a:tint val="98000"/>
-                <a:satMod val="130000"/>
-                <a:shade val="90000"/>
-                <a:lumMod val="103000"/>
+                <a:tint val="45000"/>
+                <a:shade val="99000"/>
+                <a:satMod val="350000"/>
               </a:schemeClr>
             </a:gs>
             <a:gs pos="100000">
               <a:schemeClr val="phClr">
-                <a:shade val="63000"/>
-                <a:satMod val="120000"/>
+                <a:shade val="20000"/>
+                <a:satMod val="255000"/>
               </a:schemeClr>
             </a:gs>
           </a:gsLst>
-          <a:lin ang="5400000" scaled="0"/>
+          <a:path path="circle">
+            <a:fillToRect l="50000" t="-80000" r="50000" b="180000"/>
+          </a:path>
+        </a:gradFill>
+        <a:gradFill rotWithShape="1">
+          <a:gsLst>
+            <a:gs pos="0">
+              <a:schemeClr val="phClr">
+                <a:tint val="80000"/>
+                <a:satMod val="300000"/>
+              </a:schemeClr>
+            </a:gs>
+            <a:gs pos="100000">
+              <a:schemeClr val="phClr">
+                <a:shade val="30000"/>
+                <a:satMod val="200000"/>
+              </a:schemeClr>
+            </a:gs>
+          </a:gsLst>
+          <a:path path="circle">
+            <a:fillToRect l="50000" t="50000" r="50000" b="50000"/>
+          </a:path>
         </a:gradFill>
       </a:bgFillStyleLst>
     </a:fmtScheme>
   </a:themeElements>
   <a:objectDefaults/>
   <a:extraClrSchemeLst/>
-  <a:extLst>
-    <a:ext uri="{05A4C25C-085E-4340-85A3-A5531E510DB2}">
-      <thm15:themeFamily xmlns:thm15="http://schemas.microsoft.com/office/thememl/2012/main" name="Office Theme" id="{62F939B6-93AF-4DB8-9C6B-D6C7DFDC589F}" vid="{4A3C46E8-61CC-4603-A589-7422A47A8E4A}"/>
-    </a:ext>
-  </a:extLst>
+</a:theme>
+</file>
+
+<file path=ppt/theme/theme2.xml><?xml version="1.0" encoding="utf-8"?>
+<a:theme xmlns:a="http://schemas.openxmlformats.org/drawingml/2006/main" name="Office 테마">
+  <a:themeElements>
+    <a:clrScheme name="Office">
+      <a:dk1>
+        <a:sysClr val="windowText" lastClr="000000"/>
+      </a:dk1>
+      <a:lt1>
+        <a:sysClr val="window" lastClr="FFFFFF"/>
+      </a:lt1>
+      <a:dk2>
+        <a:srgbClr val="1F497D"/>
+      </a:dk2>
+      <a:lt2>
+        <a:srgbClr val="EEECE1"/>
+      </a:lt2>
+      <a:accent1>
+        <a:srgbClr val="4F81BD"/>
+      </a:accent1>
+      <a:accent2>
+        <a:srgbClr val="C0504D"/>
+      </a:accent2>
+      <a:accent3>
+        <a:srgbClr val="9BBB59"/>
+      </a:accent3>
+      <a:accent4>
+        <a:srgbClr val="8064A2"/>
+      </a:accent4>
+      <a:accent5>
+        <a:srgbClr val="4BACC6"/>
+      </a:accent5>
+      <a:accent6>
+        <a:srgbClr val="F79646"/>
+      </a:accent6>
+      <a:hlink>
+        <a:srgbClr val="0000FF"/>
+      </a:hlink>
+      <a:folHlink>
+        <a:srgbClr val="800080"/>
+      </a:folHlink>
+    </a:clrScheme>
+    <a:fontScheme name="Office">
+      <a:majorFont>
+        <a:latin typeface="맑은 고딕"/>
+        <a:ea typeface=""/>
+        <a:cs typeface=""/>
+        <a:font script="Jpan" typeface="ＭＳ Ｐゴシック"/>
+        <a:font script="Hang" typeface="맑은 고딕"/>
+        <a:font script="Hans" typeface="宋体"/>
+        <a:font script="Hant" typeface="新細明體"/>
+        <a:font script="Arab" typeface="Times New Roman"/>
+        <a:font script="Hebr" typeface="Times New Roman"/>
+        <a:font script="Thai" typeface="Angsana New"/>
+        <a:font script="Ethi" typeface="Nyala"/>
+        <a:font script="Beng" typeface="Vrinda"/>
+        <a:font script="Gujr" typeface="Shruti"/>
+        <a:font script="Khmr" typeface="MoolBoran"/>
+        <a:font script="Knda" typeface="Tunga"/>
+        <a:font script="Guru" typeface="Raavi"/>
+        <a:font script="Cans" typeface="Euphemia"/>
+        <a:font script="Cher" typeface="Plantagenet Cherokee"/>
+        <a:font script="Yiii" typeface="Microsoft Yi Baiti"/>
+        <a:font script="Tibt" typeface="Microsoft Himalaya"/>
+        <a:font script="Thaa" typeface="MV Boli"/>
+        <a:font script="Deva" typeface="Mangal"/>
+        <a:font script="Telu" typeface="Gautami"/>
+        <a:font script="Taml" typeface="Latha"/>
+        <a:font script="Syrc" typeface="Estrangelo Edessa"/>
+        <a:font script="Orya" typeface="Kalinga"/>
+        <a:font script="Mlym" typeface="Kartika"/>
+        <a:font script="Laoo" typeface="DokChampa"/>
+        <a:font script="Sinh" typeface="Iskoola Pota"/>
+        <a:font script="Mong" typeface="Mongolian Baiti"/>
+        <a:font script="Viet" typeface="Times New Roman"/>
+        <a:font script="Uigh" typeface="Microsoft Uighur"/>
+      </a:majorFont>
+      <a:minorFont>
+        <a:latin typeface="맑은 고딕"/>
+        <a:ea typeface=""/>
+        <a:cs typeface=""/>
+        <a:font script="Jpan" typeface="ＭＳ Ｐゴシック"/>
+        <a:font script="Hang" typeface="맑은 고딕"/>
+        <a:font script="Hans" typeface="宋体"/>
+        <a:font script="Hant" typeface="新細明體"/>
+        <a:font script="Arab" typeface="Arial"/>
+        <a:font script="Hebr" typeface="Arial"/>
+        <a:font script="Thai" typeface="Cordia New"/>
+        <a:font script="Ethi" typeface="Nyala"/>
+        <a:font script="Beng" typeface="Vrinda"/>
+        <a:font script="Gujr" typeface="Shruti"/>
+        <a:font script="Khmr" typeface="DaunPenh"/>
+        <a:font script="Knda" typeface="Tunga"/>
+        <a:font script="Guru" typeface="Raavi"/>
+        <a:font script="Cans" typeface="Euphemia"/>
+        <a:font script="Cher" typeface="Plantagenet Cherokee"/>
+        <a:font script="Yiii" typeface="Microsoft Yi Baiti"/>
+        <a:font script="Tibt" typeface="Microsoft Himalaya"/>
+        <a:font script="Thaa" typeface="MV Boli"/>
+        <a:font script="Deva" typeface="Mangal"/>
+        <a:font script="Telu" typeface="Gautami"/>
+        <a:font script="Taml" typeface="Latha"/>
+        <a:font script="Syrc" typeface="Estrangelo Edessa"/>
+        <a:font script="Orya" typeface="Kalinga"/>
+        <a:font script="Mlym" typeface="Kartika"/>
+        <a:font script="Laoo" typeface="DokChampa"/>
+        <a:font script="Sinh" typeface="Iskoola Pota"/>
+        <a:font script="Mong" typeface="Mongolian Baiti"/>
+        <a:font script="Viet" typeface="Arial"/>
+        <a:font script="Uigh" typeface="Microsoft Uighur"/>
+      </a:minorFont>
+    </a:fontScheme>
+    <a:fmtScheme name="Office">
+      <a:fillStyleLst>
+        <a:solidFill>
+          <a:schemeClr val="phClr"/>
+        </a:solidFill>
+        <a:gradFill rotWithShape="1">
+          <a:gsLst>
+            <a:gs pos="0">
+              <a:schemeClr val="phClr">
+                <a:tint val="50000"/>
+                <a:satMod val="300000"/>
+              </a:schemeClr>
+            </a:gs>
+            <a:gs pos="35000">
+              <a:schemeClr val="phClr">
+                <a:tint val="37000"/>
+                <a:satMod val="300000"/>
+              </a:schemeClr>
+            </a:gs>
+            <a:gs pos="100000">
+              <a:schemeClr val="phClr">
+                <a:tint val="15000"/>
+                <a:satMod val="350000"/>
+              </a:schemeClr>
+            </a:gs>
+          </a:gsLst>
+          <a:lin ang="16200000" scaled="1"/>
+        </a:gradFill>
+        <a:gradFill rotWithShape="1">
+          <a:gsLst>
+            <a:gs pos="0">
+              <a:schemeClr val="phClr">
+                <a:shade val="51000"/>
+                <a:satMod val="130000"/>
+              </a:schemeClr>
+            </a:gs>
+            <a:gs pos="80000">
+              <a:schemeClr val="phClr">
+                <a:shade val="93000"/>
+                <a:satMod val="130000"/>
+              </a:schemeClr>
+            </a:gs>
+            <a:gs pos="100000">
+              <a:schemeClr val="phClr">
+                <a:shade val="94000"/>
+                <a:satMod val="135000"/>
+              </a:schemeClr>
+            </a:gs>
+          </a:gsLst>
+          <a:lin ang="16200000" scaled="0"/>
+        </a:gradFill>
+      </a:fillStyleLst>
+      <a:lnStyleLst>
+        <a:ln w="9525" cap="flat" cmpd="sng" algn="ctr">
+          <a:solidFill>
+            <a:schemeClr val="phClr">
+              <a:shade val="95000"/>
+              <a:satMod val="105000"/>
+            </a:schemeClr>
+          </a:solidFill>
+          <a:prstDash val="solid"/>
+        </a:ln>
+        <a:ln w="25400" cap="flat" cmpd="sng" algn="ctr">
+          <a:solidFill>
+            <a:schemeClr val="phClr"/>
+          </a:solidFill>
+          <a:prstDash val="solid"/>
+        </a:ln>
+        <a:ln w="38100" cap="flat" cmpd="sng" algn="ctr">
+          <a:solidFill>
+            <a:schemeClr val="phClr"/>
+          </a:solidFill>
+          <a:prstDash val="solid"/>
+        </a:ln>
+      </a:lnStyleLst>
+      <a:effectStyleLst>
+        <a:effectStyle>
+          <a:effectLst>
+            <a:outerShdw blurRad="40000" dist="20000" dir="5400000" rotWithShape="0">
+              <a:srgbClr val="000000">
+                <a:alpha val="38000"/>
+              </a:srgbClr>
+            </a:outerShdw>
+          </a:effectLst>
+        </a:effectStyle>
+        <a:effectStyle>
+          <a:effectLst>
+            <a:outerShdw blurRad="40000" dist="23000" dir="5400000" rotWithShape="0">
+              <a:srgbClr val="000000">
+                <a:alpha val="35000"/>
+              </a:srgbClr>
+            </a:outerShdw>
+          </a:effectLst>
+        </a:effectStyle>
+        <a:effectStyle>
+          <a:effectLst>
+            <a:outerShdw blurRad="40000" dist="23000" dir="5400000" rotWithShape="0">
+              <a:srgbClr val="000000">
+                <a:alpha val="35000"/>
+              </a:srgbClr>
+            </a:outerShdw>
+          </a:effectLst>
+          <a:scene3d>
+            <a:camera prst="orthographicFront">
+              <a:rot lat="0" lon="0" rev="0"/>
+            </a:camera>
+            <a:lightRig rig="threePt" dir="t">
+              <a:rot lat="0" lon="0" rev="1200000"/>
+            </a:lightRig>
+          </a:scene3d>
+          <a:sp3d>
+            <a:bevelT w="63500" h="25400"/>
+          </a:sp3d>
+        </a:effectStyle>
+      </a:effectStyleLst>
+      <a:bgFillStyleLst>
+        <a:solidFill>
+          <a:schemeClr val="phClr"/>
+        </a:solidFill>
+        <a:gradFill rotWithShape="1">
+          <a:gsLst>
+            <a:gs pos="0">
+              <a:schemeClr val="phClr">
+                <a:tint val="40000"/>
+                <a:satMod val="350000"/>
+              </a:schemeClr>
+            </a:gs>
+            <a:gs pos="40000">
+              <a:schemeClr val="phClr">
+                <a:tint val="45000"/>
+                <a:shade val="99000"/>
+                <a:satMod val="350000"/>
+              </a:schemeClr>
+            </a:gs>
+            <a:gs pos="100000">
+              <a:schemeClr val="phClr">
+                <a:shade val="20000"/>
+                <a:satMod val="255000"/>
+              </a:schemeClr>
+            </a:gs>
+          </a:gsLst>
+          <a:path path="circle">
+            <a:fillToRect l="50000" t="-80000" r="50000" b="180000"/>
+          </a:path>
+        </a:gradFill>
+        <a:gradFill rotWithShape="1">
+          <a:gsLst>
+            <a:gs pos="0">
+              <a:schemeClr val="phClr">
+                <a:tint val="80000"/>
+                <a:satMod val="300000"/>
+              </a:schemeClr>
+            </a:gs>
+            <a:gs pos="100000">
+              <a:schemeClr val="phClr">
+                <a:shade val="30000"/>
+                <a:satMod val="200000"/>
+              </a:schemeClr>
+            </a:gs>
+          </a:gsLst>
+          <a:path path="circle">
+            <a:fillToRect l="50000" t="50000" r="50000" b="50000"/>
+          </a:path>
+        </a:gradFill>
+      </a:bgFillStyleLst>
+    </a:fmtScheme>
+  </a:themeElements>
+  <a:objectDefaults/>
+  <a:extraClrSchemeLst/>
 </a:theme>
 </file>